--- a/Files/09893014_DataVisualization_Project.pptx
+++ b/Files/09893014_DataVisualization_Project.pptx
@@ -10,11 +10,10 @@
     <p:sldId id="258" r:id="rId4"/>
     <p:sldId id="259" r:id="rId5"/>
     <p:sldId id="264" r:id="rId6"/>
-    <p:sldId id="261" r:id="rId7"/>
-    <p:sldId id="262" r:id="rId8"/>
-    <p:sldId id="263" r:id="rId9"/>
-    <p:sldId id="265" r:id="rId10"/>
-    <p:sldId id="260" r:id="rId11"/>
+    <p:sldId id="266" r:id="rId7"/>
+    <p:sldId id="261" r:id="rId8"/>
+    <p:sldId id="262" r:id="rId9"/>
+    <p:sldId id="260" r:id="rId10"/>
   </p:sldIdLst>
   <p:sldSz cx="12192000" cy="6858000"/>
   <p:notesSz cx="6858000" cy="9144000"/>
@@ -851,7 +850,7 @@
           <a:p>
             <a:fld id="{C982EA94-CB74-4651-A3FA-9C8F727FD6C2}" type="datetimeFigureOut">
               <a:rPr lang="en-US" smtClean="0"/>
-              <a:t>1/4/2024</a:t>
+              <a:t>1/11/2024</a:t>
             </a:fld>
             <a:endParaRPr lang="en-US"/>
           </a:p>
@@ -1102,7 +1101,7 @@
           <a:p>
             <a:fld id="{C982EA94-CB74-4651-A3FA-9C8F727FD6C2}" type="datetimeFigureOut">
               <a:rPr lang="en-US" smtClean="0"/>
-              <a:t>1/4/2024</a:t>
+              <a:t>1/11/2024</a:t>
             </a:fld>
             <a:endParaRPr lang="en-US"/>
           </a:p>
@@ -1416,7 +1415,7 @@
           <a:p>
             <a:fld id="{C982EA94-CB74-4651-A3FA-9C8F727FD6C2}" type="datetimeFigureOut">
               <a:rPr lang="en-US" smtClean="0"/>
-              <a:t>1/4/2024</a:t>
+              <a:t>1/11/2024</a:t>
             </a:fld>
             <a:endParaRPr lang="en-US"/>
           </a:p>
@@ -1757,7 +1756,7 @@
           <a:p>
             <a:fld id="{C982EA94-CB74-4651-A3FA-9C8F727FD6C2}" type="datetimeFigureOut">
               <a:rPr lang="en-US" smtClean="0"/>
-              <a:t>1/4/2024</a:t>
+              <a:t>1/11/2024</a:t>
             </a:fld>
             <a:endParaRPr lang="en-US"/>
           </a:p>
@@ -2071,7 +2070,7 @@
           <a:p>
             <a:fld id="{C982EA94-CB74-4651-A3FA-9C8F727FD6C2}" type="datetimeFigureOut">
               <a:rPr lang="en-US" smtClean="0"/>
-              <a:t>1/4/2024</a:t>
+              <a:t>1/11/2024</a:t>
             </a:fld>
             <a:endParaRPr lang="en-US"/>
           </a:p>
@@ -2464,7 +2463,7 @@
           <a:p>
             <a:fld id="{C982EA94-CB74-4651-A3FA-9C8F727FD6C2}" type="datetimeFigureOut">
               <a:rPr lang="en-US" smtClean="0"/>
-              <a:t>1/4/2024</a:t>
+              <a:t>1/11/2024</a:t>
             </a:fld>
             <a:endParaRPr lang="en-US"/>
           </a:p>
@@ -2634,7 +2633,7 @@
           <a:p>
             <a:fld id="{C982EA94-CB74-4651-A3FA-9C8F727FD6C2}" type="datetimeFigureOut">
               <a:rPr lang="en-US" smtClean="0"/>
-              <a:t>1/4/2024</a:t>
+              <a:t>1/11/2024</a:t>
             </a:fld>
             <a:endParaRPr lang="en-US"/>
           </a:p>
@@ -2814,7 +2813,7 @@
           <a:p>
             <a:fld id="{C982EA94-CB74-4651-A3FA-9C8F727FD6C2}" type="datetimeFigureOut">
               <a:rPr lang="en-US" smtClean="0"/>
-              <a:t>1/4/2024</a:t>
+              <a:t>1/11/2024</a:t>
             </a:fld>
             <a:endParaRPr lang="en-US"/>
           </a:p>
@@ -2990,7 +2989,7 @@
           <a:p>
             <a:fld id="{C982EA94-CB74-4651-A3FA-9C8F727FD6C2}" type="datetimeFigureOut">
               <a:rPr lang="en-US" smtClean="0"/>
-              <a:t>1/4/2024</a:t>
+              <a:t>1/11/2024</a:t>
             </a:fld>
             <a:endParaRPr lang="en-US"/>
           </a:p>
@@ -3237,7 +3236,7 @@
           <a:p>
             <a:fld id="{C982EA94-CB74-4651-A3FA-9C8F727FD6C2}" type="datetimeFigureOut">
               <a:rPr lang="en-US" smtClean="0"/>
-              <a:t>1/4/2024</a:t>
+              <a:t>1/11/2024</a:t>
             </a:fld>
             <a:endParaRPr lang="en-US"/>
           </a:p>
@@ -3469,7 +3468,7 @@
           <a:p>
             <a:fld id="{C982EA94-CB74-4651-A3FA-9C8F727FD6C2}" type="datetimeFigureOut">
               <a:rPr lang="en-US" smtClean="0"/>
-              <a:t>1/4/2024</a:t>
+              <a:t>1/11/2024</a:t>
             </a:fld>
             <a:endParaRPr lang="en-US"/>
           </a:p>
@@ -3843,7 +3842,7 @@
           <a:p>
             <a:fld id="{C982EA94-CB74-4651-A3FA-9C8F727FD6C2}" type="datetimeFigureOut">
               <a:rPr lang="en-US" smtClean="0"/>
-              <a:t>1/4/2024</a:t>
+              <a:t>1/11/2024</a:t>
             </a:fld>
             <a:endParaRPr lang="en-US"/>
           </a:p>
@@ -3966,7 +3965,7 @@
           <a:p>
             <a:fld id="{C982EA94-CB74-4651-A3FA-9C8F727FD6C2}" type="datetimeFigureOut">
               <a:rPr lang="en-US" smtClean="0"/>
-              <a:t>1/4/2024</a:t>
+              <a:t>1/11/2024</a:t>
             </a:fld>
             <a:endParaRPr lang="en-US"/>
           </a:p>
@@ -4061,7 +4060,7 @@
           <a:p>
             <a:fld id="{C982EA94-CB74-4651-A3FA-9C8F727FD6C2}" type="datetimeFigureOut">
               <a:rPr lang="en-US" smtClean="0"/>
-              <a:t>1/4/2024</a:t>
+              <a:t>1/11/2024</a:t>
             </a:fld>
             <a:endParaRPr lang="en-US"/>
           </a:p>
@@ -4316,7 +4315,7 @@
           <a:p>
             <a:fld id="{C982EA94-CB74-4651-A3FA-9C8F727FD6C2}" type="datetimeFigureOut">
               <a:rPr lang="en-US" smtClean="0"/>
-              <a:t>1/4/2024</a:t>
+              <a:t>1/11/2024</a:t>
             </a:fld>
             <a:endParaRPr lang="en-US"/>
           </a:p>
@@ -4579,7 +4578,7 @@
           <a:p>
             <a:fld id="{C982EA94-CB74-4651-A3FA-9C8F727FD6C2}" type="datetimeFigureOut">
               <a:rPr lang="en-US" smtClean="0"/>
-              <a:t>1/4/2024</a:t>
+              <a:t>1/11/2024</a:t>
             </a:fld>
             <a:endParaRPr lang="en-US"/>
           </a:p>
@@ -5322,7 +5321,7 @@
           <a:p>
             <a:fld id="{C982EA94-CB74-4651-A3FA-9C8F727FD6C2}" type="datetimeFigureOut">
               <a:rPr lang="en-US" smtClean="0"/>
-              <a:t>1/4/2024</a:t>
+              <a:t>1/11/2024</a:t>
             </a:fld>
             <a:endParaRPr lang="en-US"/>
           </a:p>
@@ -6031,166 +6030,6 @@
 </p:sld>
 </file>
 
-<file path=ppt/slides/slide10.xml><?xml version="1.0" encoding="utf-8"?>
-<p:sld xmlns:a="http://schemas.openxmlformats.org/drawingml/2006/main" xmlns:r="http://schemas.openxmlformats.org/officeDocument/2006/relationships" xmlns:p="http://schemas.openxmlformats.org/presentationml/2006/main">
-  <p:cSld>
-    <p:spTree>
-      <p:nvGrpSpPr>
-        <p:cNvPr id="1" name=""/>
-        <p:cNvGrpSpPr/>
-        <p:nvPr/>
-      </p:nvGrpSpPr>
-      <p:grpSpPr>
-        <a:xfrm>
-          <a:off x="0" y="0"/>
-          <a:ext cx="0" cy="0"/>
-          <a:chOff x="0" y="0"/>
-          <a:chExt cx="0" cy="0"/>
-        </a:xfrm>
-      </p:grpSpPr>
-      <p:sp>
-        <p:nvSpPr>
-          <p:cNvPr id="2" name="標題 1"/>
-          <p:cNvSpPr>
-            <a:spLocks noGrp="1"/>
-          </p:cNvSpPr>
-          <p:nvPr>
-            <p:ph type="title"/>
-          </p:nvPr>
-        </p:nvSpPr>
-        <p:spPr/>
-        <p:txBody>
-          <a:bodyPr/>
-          <a:lstStyle/>
-          <a:p>
-            <a:r>
-              <a:rPr lang="en-US" dirty="0">
-                <a:latin typeface="Times New Roman" panose="02020603050405020304" pitchFamily="18" charset="0"/>
-                <a:cs typeface="Times New Roman" panose="02020603050405020304" pitchFamily="18" charset="0"/>
-              </a:rPr>
-              <a:t>The visual analysis result of problem 1</a:t>
-            </a:r>
-          </a:p>
-        </p:txBody>
-      </p:sp>
-      <p:sp>
-        <p:nvSpPr>
-          <p:cNvPr id="3" name="內容版面配置區 2"/>
-          <p:cNvSpPr>
-            <a:spLocks noGrp="1"/>
-          </p:cNvSpPr>
-          <p:nvPr>
-            <p:ph idx="1"/>
-          </p:nvPr>
-        </p:nvSpPr>
-        <p:spPr/>
-        <p:txBody>
-          <a:bodyPr/>
-          <a:lstStyle/>
-          <a:p>
-            <a:pPr marL="228600" lvl="2">
-              <a:spcBef>
-                <a:spcPts val="1000"/>
-              </a:spcBef>
-            </a:pPr>
-            <a:r>
-              <a:rPr lang="en-US" sz="2400" dirty="0">
-                <a:latin typeface="Times New Roman" panose="02020603050405020304" pitchFamily="18" charset="0"/>
-                <a:cs typeface="Times New Roman" panose="02020603050405020304" pitchFamily="18" charset="0"/>
-              </a:rPr>
-              <a:t>What is the conclusion of data analysis insights obtained through visual charts?</a:t>
-            </a:r>
-          </a:p>
-          <a:p>
-            <a:pPr marL="457200" lvl="2" indent="-457200">
-              <a:spcBef>
-                <a:spcPts val="1000"/>
-              </a:spcBef>
-              <a:buAutoNum type="arabicPeriod"/>
-            </a:pPr>
-            <a:r>
-              <a:rPr lang="en-US" sz="2400" dirty="0">
-                <a:latin typeface="Times New Roman" panose="02020603050405020304" pitchFamily="18" charset="0"/>
-                <a:cs typeface="Times New Roman" panose="02020603050405020304" pitchFamily="18" charset="0"/>
-              </a:rPr>
-              <a:t>Countries with the largest economies account for most CO2 emissions </a:t>
-            </a:r>
-          </a:p>
-          <a:p>
-            <a:pPr marL="457200" lvl="2" indent="-457200">
-              <a:spcBef>
-                <a:spcPts val="1000"/>
-              </a:spcBef>
-              <a:buAutoNum type="arabicPeriod"/>
-            </a:pPr>
-            <a:r>
-              <a:rPr lang="en-US" sz="2400" dirty="0">
-                <a:latin typeface="Times New Roman" panose="02020603050405020304" pitchFamily="18" charset="0"/>
-                <a:cs typeface="Times New Roman" panose="02020603050405020304" pitchFamily="18" charset="0"/>
-              </a:rPr>
-              <a:t>Largest industrial sectors emitting carbon are Coal, Oil, and Others</a:t>
-            </a:r>
-          </a:p>
-          <a:p>
-            <a:pPr marL="457200" lvl="2" indent="-457200">
-              <a:spcBef>
-                <a:spcPts val="1000"/>
-              </a:spcBef>
-              <a:buAutoNum type="arabicPeriod"/>
-            </a:pPr>
-            <a:r>
-              <a:rPr lang="en-US" sz="2400" dirty="0">
-                <a:latin typeface="Times New Roman" panose="02020603050405020304" pitchFamily="18" charset="0"/>
-                <a:cs typeface="Times New Roman" panose="02020603050405020304" pitchFamily="18" charset="0"/>
-              </a:rPr>
-              <a:t>Carbon emissions and global temperature correlate </a:t>
-            </a:r>
-          </a:p>
-          <a:p>
-            <a:pPr marL="0" lvl="2" indent="0">
-              <a:spcBef>
-                <a:spcPts val="1000"/>
-              </a:spcBef>
-              <a:buNone/>
-            </a:pPr>
-            <a:endParaRPr lang="en-US" sz="2400" dirty="0">
-              <a:latin typeface="Times New Roman" panose="02020603050405020304" pitchFamily="18" charset="0"/>
-              <a:cs typeface="Times New Roman" panose="02020603050405020304" pitchFamily="18" charset="0"/>
-            </a:endParaRPr>
-          </a:p>
-          <a:p>
-            <a:pPr marL="457200" lvl="2" indent="-457200">
-              <a:spcBef>
-                <a:spcPts val="1000"/>
-              </a:spcBef>
-              <a:buAutoNum type="arabicPeriod"/>
-            </a:pPr>
-            <a:endParaRPr lang="en-US" sz="2400" dirty="0">
-              <a:latin typeface="Times New Roman" panose="02020603050405020304" pitchFamily="18" charset="0"/>
-              <a:cs typeface="Times New Roman" panose="02020603050405020304" pitchFamily="18" charset="0"/>
-            </a:endParaRPr>
-          </a:p>
-          <a:p>
-            <a:endParaRPr lang="en-US" dirty="0">
-              <a:latin typeface="Times New Roman" panose="02020603050405020304" pitchFamily="18" charset="0"/>
-              <a:cs typeface="Times New Roman" panose="02020603050405020304" pitchFamily="18" charset="0"/>
-            </a:endParaRPr>
-          </a:p>
-        </p:txBody>
-      </p:sp>
-    </p:spTree>
-    <p:extLst>
-      <p:ext uri="{BB962C8B-B14F-4D97-AF65-F5344CB8AC3E}">
-        <p14:creationId xmlns:p14="http://schemas.microsoft.com/office/powerpoint/2010/main" val="2056979047"/>
-      </p:ext>
-    </p:extLst>
-  </p:cSld>
-  <p:clrMapOvr>
-    <a:masterClrMapping/>
-  </p:clrMapOvr>
-</p:sld>
-</file>
-
 <file path=ppt/slides/slide2.xml><?xml version="1.0" encoding="utf-8"?>
 <p:sld xmlns:a="http://schemas.openxmlformats.org/drawingml/2006/main" xmlns:r="http://schemas.openxmlformats.org/officeDocument/2006/relationships" xmlns:p="http://schemas.openxmlformats.org/presentationml/2006/main">
   <p:cSld>
@@ -6501,6 +6340,26 @@
                 <a:cs typeface="Times New Roman" panose="02020603050405020304" pitchFamily="18" charset="0"/>
               </a:rPr>
               <a:t>, images are just screenshots.</a:t>
+            </a:r>
+          </a:p>
+          <a:p>
+            <a:pPr marL="457200" lvl="2" indent="-457200">
+              <a:buFont typeface="+mj-lt"/>
+              <a:buAutoNum type="arabicPeriod"/>
+            </a:pPr>
+            <a:r>
+              <a:rPr lang="en-US" sz="2400" dirty="0" err="1">
+                <a:latin typeface="Times New Roman" panose="02020603050405020304" pitchFamily="18" charset="0"/>
+                <a:cs typeface="Times New Roman" panose="02020603050405020304" pitchFamily="18" charset="0"/>
+              </a:rPr>
+              <a:t>Streamlit</a:t>
+            </a:r>
+            <a:r>
+              <a:rPr lang="en-US" sz="2400" dirty="0">
+                <a:latin typeface="Times New Roman" panose="02020603050405020304" pitchFamily="18" charset="0"/>
+                <a:cs typeface="Times New Roman" panose="02020603050405020304" pitchFamily="18" charset="0"/>
+              </a:rPr>
+              <a:t> for deployment</a:t>
             </a:r>
           </a:p>
           <a:p>
@@ -7381,6 +7240,21 @@
               </a:lnSpc>
             </a:pPr>
             <a:r>
+              <a:rPr lang="en-US" sz="3700" kern="1200" dirty="0" err="1">
+                <a:solidFill>
+                  <a:schemeClr val="accent1"/>
+                </a:solidFill>
+                <a:latin typeface="+mj-lt"/>
+                <a:ea typeface="+mj-ea"/>
+                <a:cs typeface="+mj-cs"/>
+              </a:rPr>
+              <a:t>Tablue</a:t>
+            </a:r>
+            <a:r>
+              <a:rPr lang="en-US" sz="3700" dirty="0"/>
+              <a:t>: V</a:t>
+            </a:r>
+            <a:r>
               <a:rPr lang="en-US" sz="3700" kern="1200" dirty="0">
                 <a:solidFill>
                   <a:schemeClr val="accent1"/>
@@ -7389,7 +7263,7 @@
                 <a:ea typeface="+mj-ea"/>
                 <a:cs typeface="+mj-cs"/>
               </a:rPr>
-              <a:t>The visual analysis result of problem 1</a:t>
+              <a:t>isual analysis result</a:t>
             </a:r>
           </a:p>
         </p:txBody>
@@ -8344,6 +8218,42 @@
           </a:prstGeom>
         </p:spPr>
       </p:pic>
+      <p:pic>
+        <p:nvPicPr>
+          <p:cNvPr id="6" name="Picture 5" descr="A screen shot of a graph&#10;&#10;Description automatically generated">
+            <a:extLst>
+              <a:ext uri="{FF2B5EF4-FFF2-40B4-BE49-F238E27FC236}">
+                <a16:creationId xmlns:a16="http://schemas.microsoft.com/office/drawing/2014/main" id="{C8005635-92E8-62EE-7E0E-2476314DA184}"/>
+              </a:ext>
+            </a:extLst>
+          </p:cNvPr>
+          <p:cNvPicPr>
+            <a:picLocks noChangeAspect="1"/>
+          </p:cNvPicPr>
+          <p:nvPr/>
+        </p:nvPicPr>
+        <p:blipFill>
+          <a:blip r:embed="rId4">
+            <a:extLst>
+              <a:ext uri="{28A0092B-C50C-407E-A947-70E740481C1C}">
+                <a14:useLocalDpi xmlns:a14="http://schemas.microsoft.com/office/drawing/2010/main" val="0"/>
+              </a:ext>
+            </a:extLst>
+          </a:blip>
+          <a:stretch>
+            <a:fillRect/>
+          </a:stretch>
+        </p:blipFill>
+        <p:spPr>
+          <a:xfrm>
+            <a:off x="0" y="711997"/>
+            <a:ext cx="12192000" cy="5241270"/>
+          </a:xfrm>
+          <a:prstGeom prst="rect">
+            <a:avLst/>
+          </a:prstGeom>
+        </p:spPr>
+      </p:pic>
     </p:spTree>
     <p:extLst>
       <p:ext uri="{BB962C8B-B14F-4D97-AF65-F5344CB8AC3E}">
@@ -8360,14 +8270,6 @@
 <file path=ppt/slides/slide6.xml><?xml version="1.0" encoding="utf-8"?>
 <p:sld xmlns:a="http://schemas.openxmlformats.org/drawingml/2006/main" xmlns:r="http://schemas.openxmlformats.org/officeDocument/2006/relationships" xmlns:p="http://schemas.openxmlformats.org/presentationml/2006/main">
   <p:cSld>
-    <p:bg>
-      <p:bgPr>
-        <a:solidFill>
-          <a:schemeClr val="bg1"/>
-        </a:solidFill>
-        <a:effectLst/>
-      </p:bgPr>
-    </p:bg>
     <p:spTree>
       <p:nvGrpSpPr>
         <p:cNvPr id="1" name=""/>
@@ -8382,806 +8284,12 @@
           <a:chExt cx="0" cy="0"/>
         </a:xfrm>
       </p:grpSpPr>
-      <p:grpSp>
-        <p:nvGrpSpPr>
-          <p:cNvPr id="7" name="Group 6">
+      <p:pic>
+        <p:nvPicPr>
+          <p:cNvPr id="2" name="slide2" descr="CO2 per capita">
             <a:extLst>
               <a:ext uri="{FF2B5EF4-FFF2-40B4-BE49-F238E27FC236}">
-                <a16:creationId xmlns:a16="http://schemas.microsoft.com/office/drawing/2014/main" id="{B4DE830A-B531-4A3B-96F6-0ECE88B08555}"/>
-              </a:ext>
-              <a:ext uri="{C183D7F6-B498-43B3-948B-1728B52AA6E4}">
-                <adec:decorative xmlns:adec="http://schemas.microsoft.com/office/drawing/2017/decorative" val="1"/>
-              </a:ext>
-            </a:extLst>
-          </p:cNvPr>
-          <p:cNvGrpSpPr>
-            <a:grpSpLocks noGrp="1" noUngrp="1" noRot="1" noChangeAspect="1" noMove="1" noResize="1"/>
-          </p:cNvGrpSpPr>
-          <p:nvPr>
-            <p:extLst>
-              <p:ext uri="{386F3935-93C4-4BCD-93E2-E3B085C9AB24}">
-                <p16:designElem xmlns:p16="http://schemas.microsoft.com/office/powerpoint/2015/main" val="1"/>
-              </p:ext>
-            </p:extLst>
-          </p:nvPr>
-        </p:nvGrpSpPr>
-        <p:grpSpPr>
-          <a:xfrm>
-            <a:off x="0" y="-8467"/>
-            <a:ext cx="12192000" cy="6866467"/>
-            <a:chOff x="0" y="-8467"/>
-            <a:chExt cx="12192000" cy="6866467"/>
-          </a:xfrm>
-        </p:grpSpPr>
-        <p:cxnSp>
-          <p:nvCxnSpPr>
-            <p:cNvPr id="11" name="Straight Connector 10">
-              <a:extLst>
-                <a:ext uri="{FF2B5EF4-FFF2-40B4-BE49-F238E27FC236}">
-                  <a16:creationId xmlns:a16="http://schemas.microsoft.com/office/drawing/2014/main" id="{2813DF2C-461A-4A8F-9679-A172790D1F3A}"/>
-                </a:ext>
-                <a:ext uri="{C183D7F6-B498-43B3-948B-1728B52AA6E4}">
-                  <adec:decorative xmlns:adec="http://schemas.microsoft.com/office/drawing/2017/decorative" val="1"/>
-                </a:ext>
-              </a:extLst>
-            </p:cNvPr>
-            <p:cNvCxnSpPr/>
-            <p:nvPr>
-              <p:extLst>
-                <p:ext uri="{386F3935-93C4-4BCD-93E2-E3B085C9AB24}">
-                  <p16:designElem xmlns:p16="http://schemas.microsoft.com/office/powerpoint/2015/main" val="1"/>
-                </p:ext>
-              </p:extLst>
-            </p:nvPr>
-          </p:nvCxnSpPr>
-          <p:spPr>
-            <a:xfrm>
-              <a:off x="9371012" y="0"/>
-              <a:ext cx="1219200" cy="6858000"/>
-            </a:xfrm>
-            <a:prstGeom prst="line">
-              <a:avLst/>
-            </a:prstGeom>
-            <a:ln w="9525">
-              <a:solidFill>
-                <a:schemeClr val="bg1">
-                  <a:lumMod val="75000"/>
-                </a:schemeClr>
-              </a:solidFill>
-            </a:ln>
-          </p:spPr>
-          <p:style>
-            <a:lnRef idx="2">
-              <a:schemeClr val="accent1"/>
-            </a:lnRef>
-            <a:fillRef idx="0">
-              <a:schemeClr val="accent1"/>
-            </a:fillRef>
-            <a:effectRef idx="1">
-              <a:schemeClr val="accent1"/>
-            </a:effectRef>
-            <a:fontRef idx="minor">
-              <a:schemeClr val="tx1"/>
-            </a:fontRef>
-          </p:style>
-        </p:cxnSp>
-        <p:cxnSp>
-          <p:nvCxnSpPr>
-            <p:cNvPr id="12" name="Straight Connector 11">
-              <a:extLst>
-                <a:ext uri="{FF2B5EF4-FFF2-40B4-BE49-F238E27FC236}">
-                  <a16:creationId xmlns:a16="http://schemas.microsoft.com/office/drawing/2014/main" id="{54CD3A85-C039-4249-86E4-1EB9318B5495}"/>
-                </a:ext>
-                <a:ext uri="{C183D7F6-B498-43B3-948B-1728B52AA6E4}">
-                  <adec:decorative xmlns:adec="http://schemas.microsoft.com/office/drawing/2017/decorative" val="1"/>
-                </a:ext>
-              </a:extLst>
-            </p:cNvPr>
-            <p:cNvCxnSpPr/>
-            <p:nvPr>
-              <p:extLst>
-                <p:ext uri="{386F3935-93C4-4BCD-93E2-E3B085C9AB24}">
-                  <p16:designElem xmlns:p16="http://schemas.microsoft.com/office/powerpoint/2015/main" val="1"/>
-                </p:ext>
-              </p:extLst>
-            </p:nvPr>
-          </p:nvCxnSpPr>
-          <p:spPr>
-            <a:xfrm flipH="1">
-              <a:off x="7425267" y="3681413"/>
-              <a:ext cx="4763558" cy="3176587"/>
-            </a:xfrm>
-            <a:prstGeom prst="line">
-              <a:avLst/>
-            </a:prstGeom>
-            <a:ln w="9525">
-              <a:solidFill>
-                <a:schemeClr val="bg1">
-                  <a:lumMod val="85000"/>
-                </a:schemeClr>
-              </a:solidFill>
-            </a:ln>
-          </p:spPr>
-          <p:style>
-            <a:lnRef idx="2">
-              <a:schemeClr val="accent1"/>
-            </a:lnRef>
-            <a:fillRef idx="0">
-              <a:schemeClr val="accent1"/>
-            </a:fillRef>
-            <a:effectRef idx="1">
-              <a:schemeClr val="accent1"/>
-            </a:effectRef>
-            <a:fontRef idx="minor">
-              <a:schemeClr val="tx1"/>
-            </a:fontRef>
-          </p:style>
-        </p:cxnSp>
-        <p:sp>
-          <p:nvSpPr>
-            <p:cNvPr id="13" name="Rectangle 23">
-              <a:extLst>
-                <a:ext uri="{FF2B5EF4-FFF2-40B4-BE49-F238E27FC236}">
-                  <a16:creationId xmlns:a16="http://schemas.microsoft.com/office/drawing/2014/main" id="{887EA6D2-2883-42C2-993D-094CA6D65DA3}"/>
-                </a:ext>
-                <a:ext uri="{C183D7F6-B498-43B3-948B-1728B52AA6E4}">
-                  <adec:decorative xmlns:adec="http://schemas.microsoft.com/office/drawing/2017/decorative" val="1"/>
-                </a:ext>
-              </a:extLst>
-            </p:cNvPr>
-            <p:cNvSpPr/>
-            <p:nvPr>
-              <p:extLst>
-                <p:ext uri="{386F3935-93C4-4BCD-93E2-E3B085C9AB24}">
-                  <p16:designElem xmlns:p16="http://schemas.microsoft.com/office/powerpoint/2015/main" val="1"/>
-                </p:ext>
-              </p:extLst>
-            </p:nvPr>
-          </p:nvSpPr>
-          <p:spPr>
-            <a:xfrm>
-              <a:off x="9181476" y="-8467"/>
-              <a:ext cx="3007349" cy="6866467"/>
-            </a:xfrm>
-            <a:custGeom>
-              <a:avLst/>
-              <a:gdLst/>
-              <a:ahLst/>
-              <a:cxnLst/>
-              <a:rect l="l" t="t" r="r" b="b"/>
-              <a:pathLst>
-                <a:path w="3007349" h="6866467">
-                  <a:moveTo>
-                    <a:pt x="2045532" y="0"/>
-                  </a:moveTo>
-                  <a:lnTo>
-                    <a:pt x="3007349" y="0"/>
-                  </a:lnTo>
-                  <a:lnTo>
-                    <a:pt x="3007349" y="6866467"/>
-                  </a:lnTo>
-                  <a:lnTo>
-                    <a:pt x="0" y="6866467"/>
-                  </a:lnTo>
-                  <a:lnTo>
-                    <a:pt x="2045532" y="0"/>
-                  </a:lnTo>
-                  <a:close/>
-                </a:path>
-              </a:pathLst>
-            </a:custGeom>
-            <a:solidFill>
-              <a:schemeClr val="accent1">
-                <a:alpha val="30000"/>
-              </a:schemeClr>
-            </a:solidFill>
-            <a:ln>
-              <a:noFill/>
-            </a:ln>
-            <a:effectLst/>
-          </p:spPr>
-          <p:style>
-            <a:lnRef idx="1">
-              <a:schemeClr val="accent1"/>
-            </a:lnRef>
-            <a:fillRef idx="3">
-              <a:schemeClr val="accent1"/>
-            </a:fillRef>
-            <a:effectRef idx="2">
-              <a:schemeClr val="accent1"/>
-            </a:effectRef>
-            <a:fontRef idx="minor">
-              <a:schemeClr val="lt1"/>
-            </a:fontRef>
-          </p:style>
-          <p:txBody>
-            <a:bodyPr/>
-            <a:lstStyle/>
-            <a:p>
-              <a:endParaRPr lang="en-US"/>
-            </a:p>
-          </p:txBody>
-        </p:sp>
-        <p:sp>
-          <p:nvSpPr>
-            <p:cNvPr id="14" name="Rectangle 25">
-              <a:extLst>
-                <a:ext uri="{FF2B5EF4-FFF2-40B4-BE49-F238E27FC236}">
-                  <a16:creationId xmlns:a16="http://schemas.microsoft.com/office/drawing/2014/main" id="{3B895046-636F-4D1B-ACA4-29AA0CB3329F}"/>
-                </a:ext>
-                <a:ext uri="{C183D7F6-B498-43B3-948B-1728B52AA6E4}">
-                  <adec:decorative xmlns:adec="http://schemas.microsoft.com/office/drawing/2017/decorative" val="1"/>
-                </a:ext>
-              </a:extLst>
-            </p:cNvPr>
-            <p:cNvSpPr/>
-            <p:nvPr>
-              <p:extLst>
-                <p:ext uri="{386F3935-93C4-4BCD-93E2-E3B085C9AB24}">
-                  <p16:designElem xmlns:p16="http://schemas.microsoft.com/office/powerpoint/2015/main" val="1"/>
-                </p:ext>
-              </p:extLst>
-            </p:nvPr>
-          </p:nvSpPr>
-          <p:spPr>
-            <a:xfrm>
-              <a:off x="9603442" y="-8467"/>
-              <a:ext cx="2588558" cy="6866467"/>
-            </a:xfrm>
-            <a:custGeom>
-              <a:avLst/>
-              <a:gdLst/>
-              <a:ahLst/>
-              <a:cxnLst/>
-              <a:rect l="l" t="t" r="r" b="b"/>
-              <a:pathLst>
-                <a:path w="2573311" h="6866467">
-                  <a:moveTo>
-                    <a:pt x="0" y="0"/>
-                  </a:moveTo>
-                  <a:lnTo>
-                    <a:pt x="2573311" y="0"/>
-                  </a:lnTo>
-                  <a:lnTo>
-                    <a:pt x="2573311" y="6866467"/>
-                  </a:lnTo>
-                  <a:lnTo>
-                    <a:pt x="1202336" y="6866467"/>
-                  </a:lnTo>
-                  <a:lnTo>
-                    <a:pt x="0" y="0"/>
-                  </a:lnTo>
-                  <a:close/>
-                </a:path>
-              </a:pathLst>
-            </a:custGeom>
-            <a:solidFill>
-              <a:schemeClr val="accent1">
-                <a:alpha val="20000"/>
-              </a:schemeClr>
-            </a:solidFill>
-            <a:ln>
-              <a:noFill/>
-            </a:ln>
-            <a:effectLst/>
-          </p:spPr>
-          <p:style>
-            <a:lnRef idx="1">
-              <a:schemeClr val="accent1"/>
-            </a:lnRef>
-            <a:fillRef idx="3">
-              <a:schemeClr val="accent1"/>
-            </a:fillRef>
-            <a:effectRef idx="2">
-              <a:schemeClr val="accent1"/>
-            </a:effectRef>
-            <a:fontRef idx="minor">
-              <a:schemeClr val="lt1"/>
-            </a:fontRef>
-          </p:style>
-          <p:txBody>
-            <a:bodyPr/>
-            <a:lstStyle/>
-            <a:p>
-              <a:endParaRPr lang="en-US"/>
-            </a:p>
-          </p:txBody>
-        </p:sp>
-        <p:sp>
-          <p:nvSpPr>
-            <p:cNvPr id="15" name="Isosceles Triangle 14">
-              <a:extLst>
-                <a:ext uri="{FF2B5EF4-FFF2-40B4-BE49-F238E27FC236}">
-                  <a16:creationId xmlns:a16="http://schemas.microsoft.com/office/drawing/2014/main" id="{C6B0CDE3-E054-4EDD-A43B-F96843D8BF51}"/>
-                </a:ext>
-                <a:ext uri="{C183D7F6-B498-43B3-948B-1728B52AA6E4}">
-                  <adec:decorative xmlns:adec="http://schemas.microsoft.com/office/drawing/2017/decorative" val="1"/>
-                </a:ext>
-              </a:extLst>
-            </p:cNvPr>
-            <p:cNvSpPr/>
-            <p:nvPr>
-              <p:extLst>
-                <p:ext uri="{386F3935-93C4-4BCD-93E2-E3B085C9AB24}">
-                  <p16:designElem xmlns:p16="http://schemas.microsoft.com/office/powerpoint/2015/main" val="1"/>
-                </p:ext>
-              </p:extLst>
-            </p:nvPr>
-          </p:nvSpPr>
-          <p:spPr>
-            <a:xfrm>
-              <a:off x="8932333" y="3048000"/>
-              <a:ext cx="3259667" cy="3810000"/>
-            </a:xfrm>
-            <a:prstGeom prst="triangle">
-              <a:avLst>
-                <a:gd name="adj" fmla="val 100000"/>
-              </a:avLst>
-            </a:prstGeom>
-            <a:solidFill>
-              <a:schemeClr val="accent2">
-                <a:alpha val="72000"/>
-              </a:schemeClr>
-            </a:solidFill>
-            <a:ln>
-              <a:noFill/>
-            </a:ln>
-            <a:effectLst/>
-          </p:spPr>
-          <p:style>
-            <a:lnRef idx="1">
-              <a:schemeClr val="accent1"/>
-            </a:lnRef>
-            <a:fillRef idx="3">
-              <a:schemeClr val="accent1"/>
-            </a:fillRef>
-            <a:effectRef idx="2">
-              <a:schemeClr val="accent1"/>
-            </a:effectRef>
-            <a:fontRef idx="minor">
-              <a:schemeClr val="lt1"/>
-            </a:fontRef>
-          </p:style>
-          <p:txBody>
-            <a:bodyPr/>
-            <a:lstStyle/>
-            <a:p>
-              <a:endParaRPr lang="en-US"/>
-            </a:p>
-          </p:txBody>
-        </p:sp>
-        <p:sp>
-          <p:nvSpPr>
-            <p:cNvPr id="16" name="Rectangle 27">
-              <a:extLst>
-                <a:ext uri="{FF2B5EF4-FFF2-40B4-BE49-F238E27FC236}">
-                  <a16:creationId xmlns:a16="http://schemas.microsoft.com/office/drawing/2014/main" id="{3B66B1A2-F145-4C9B-85CC-4BF30D58CBC5}"/>
-                </a:ext>
-                <a:ext uri="{C183D7F6-B498-43B3-948B-1728B52AA6E4}">
-                  <adec:decorative xmlns:adec="http://schemas.microsoft.com/office/drawing/2017/decorative" val="1"/>
-                </a:ext>
-              </a:extLst>
-            </p:cNvPr>
-            <p:cNvSpPr/>
-            <p:nvPr>
-              <p:extLst>
-                <p:ext uri="{386F3935-93C4-4BCD-93E2-E3B085C9AB24}">
-                  <p16:designElem xmlns:p16="http://schemas.microsoft.com/office/powerpoint/2015/main" val="1"/>
-                </p:ext>
-              </p:extLst>
-            </p:nvPr>
-          </p:nvSpPr>
-          <p:spPr>
-            <a:xfrm>
-              <a:off x="9334500" y="-8467"/>
-              <a:ext cx="2854326" cy="6866467"/>
-            </a:xfrm>
-            <a:custGeom>
-              <a:avLst/>
-              <a:gdLst/>
-              <a:ahLst/>
-              <a:cxnLst/>
-              <a:rect l="l" t="t" r="r" b="b"/>
-              <a:pathLst>
-                <a:path w="2858013" h="6866467">
-                  <a:moveTo>
-                    <a:pt x="0" y="0"/>
-                  </a:moveTo>
-                  <a:lnTo>
-                    <a:pt x="2858013" y="0"/>
-                  </a:lnTo>
-                  <a:lnTo>
-                    <a:pt x="2858013" y="6866467"/>
-                  </a:lnTo>
-                  <a:lnTo>
-                    <a:pt x="2473942" y="6866467"/>
-                  </a:lnTo>
-                  <a:lnTo>
-                    <a:pt x="0" y="0"/>
-                  </a:lnTo>
-                  <a:close/>
-                </a:path>
-              </a:pathLst>
-            </a:custGeom>
-            <a:solidFill>
-              <a:schemeClr val="accent2">
-                <a:lumMod val="75000"/>
-                <a:alpha val="70000"/>
-              </a:schemeClr>
-            </a:solidFill>
-            <a:ln>
-              <a:noFill/>
-            </a:ln>
-            <a:effectLst/>
-          </p:spPr>
-          <p:style>
-            <a:lnRef idx="1">
-              <a:schemeClr val="accent1"/>
-            </a:lnRef>
-            <a:fillRef idx="3">
-              <a:schemeClr val="accent1"/>
-            </a:fillRef>
-            <a:effectRef idx="2">
-              <a:schemeClr val="accent1"/>
-            </a:effectRef>
-            <a:fontRef idx="minor">
-              <a:schemeClr val="lt1"/>
-            </a:fontRef>
-          </p:style>
-          <p:txBody>
-            <a:bodyPr/>
-            <a:lstStyle/>
-            <a:p>
-              <a:endParaRPr lang="en-US"/>
-            </a:p>
-          </p:txBody>
-        </p:sp>
-        <p:sp>
-          <p:nvSpPr>
-            <p:cNvPr id="17" name="Rectangle 28">
-              <a:extLst>
-                <a:ext uri="{FF2B5EF4-FFF2-40B4-BE49-F238E27FC236}">
-                  <a16:creationId xmlns:a16="http://schemas.microsoft.com/office/drawing/2014/main" id="{5D4FC972-94B3-4035-8D31-E668C132B411}"/>
-                </a:ext>
-                <a:ext uri="{C183D7F6-B498-43B3-948B-1728B52AA6E4}">
-                  <adec:decorative xmlns:adec="http://schemas.microsoft.com/office/drawing/2017/decorative" val="1"/>
-                </a:ext>
-              </a:extLst>
-            </p:cNvPr>
-            <p:cNvSpPr/>
-            <p:nvPr>
-              <p:extLst>
-                <p:ext uri="{386F3935-93C4-4BCD-93E2-E3B085C9AB24}">
-                  <p16:designElem xmlns:p16="http://schemas.microsoft.com/office/powerpoint/2015/main" val="1"/>
-                </p:ext>
-              </p:extLst>
-            </p:nvPr>
-          </p:nvSpPr>
-          <p:spPr>
-            <a:xfrm>
-              <a:off x="10898730" y="-8467"/>
-              <a:ext cx="1290094" cy="6866467"/>
-            </a:xfrm>
-            <a:custGeom>
-              <a:avLst/>
-              <a:gdLst/>
-              <a:ahLst/>
-              <a:cxnLst/>
-              <a:rect l="l" t="t" r="r" b="b"/>
-              <a:pathLst>
-                <a:path w="1290094" h="6858000">
-                  <a:moveTo>
-                    <a:pt x="1019735" y="0"/>
-                  </a:moveTo>
-                  <a:lnTo>
-                    <a:pt x="1290094" y="0"/>
-                  </a:lnTo>
-                  <a:lnTo>
-                    <a:pt x="1290094" y="6858000"/>
-                  </a:lnTo>
-                  <a:lnTo>
-                    <a:pt x="0" y="6858000"/>
-                  </a:lnTo>
-                  <a:lnTo>
-                    <a:pt x="1019735" y="0"/>
-                  </a:lnTo>
-                  <a:close/>
-                </a:path>
-              </a:pathLst>
-            </a:custGeom>
-            <a:solidFill>
-              <a:schemeClr val="accent1">
-                <a:lumMod val="60000"/>
-                <a:lumOff val="40000"/>
-                <a:alpha val="70000"/>
-              </a:schemeClr>
-            </a:solidFill>
-            <a:ln>
-              <a:noFill/>
-            </a:ln>
-            <a:effectLst/>
-          </p:spPr>
-          <p:style>
-            <a:lnRef idx="1">
-              <a:schemeClr val="accent1"/>
-            </a:lnRef>
-            <a:fillRef idx="3">
-              <a:schemeClr val="accent1"/>
-            </a:fillRef>
-            <a:effectRef idx="2">
-              <a:schemeClr val="accent1"/>
-            </a:effectRef>
-            <a:fontRef idx="minor">
-              <a:schemeClr val="lt1"/>
-            </a:fontRef>
-          </p:style>
-          <p:txBody>
-            <a:bodyPr/>
-            <a:lstStyle/>
-            <a:p>
-              <a:endParaRPr lang="en-US"/>
-            </a:p>
-          </p:txBody>
-        </p:sp>
-        <p:sp>
-          <p:nvSpPr>
-            <p:cNvPr id="18" name="Rectangle 29">
-              <a:extLst>
-                <a:ext uri="{FF2B5EF4-FFF2-40B4-BE49-F238E27FC236}">
-                  <a16:creationId xmlns:a16="http://schemas.microsoft.com/office/drawing/2014/main" id="{374B9941-AFBE-4A77-A50E-B6EA04A746AE}"/>
-                </a:ext>
-                <a:ext uri="{C183D7F6-B498-43B3-948B-1728B52AA6E4}">
-                  <adec:decorative xmlns:adec="http://schemas.microsoft.com/office/drawing/2017/decorative" val="1"/>
-                </a:ext>
-              </a:extLst>
-            </p:cNvPr>
-            <p:cNvSpPr/>
-            <p:nvPr>
-              <p:extLst>
-                <p:ext uri="{386F3935-93C4-4BCD-93E2-E3B085C9AB24}">
-                  <p16:designElem xmlns:p16="http://schemas.microsoft.com/office/powerpoint/2015/main" val="1"/>
-                </p:ext>
-              </p:extLst>
-            </p:nvPr>
-          </p:nvSpPr>
-          <p:spPr>
-            <a:xfrm>
-              <a:off x="10938999" y="-8467"/>
-              <a:ext cx="1249825" cy="6866467"/>
-            </a:xfrm>
-            <a:custGeom>
-              <a:avLst/>
-              <a:gdLst/>
-              <a:ahLst/>
-              <a:cxnLst/>
-              <a:rect l="l" t="t" r="r" b="b"/>
-              <a:pathLst>
-                <a:path w="1249825" h="6858000">
-                  <a:moveTo>
-                    <a:pt x="0" y="0"/>
-                  </a:moveTo>
-                  <a:lnTo>
-                    <a:pt x="1249825" y="0"/>
-                  </a:lnTo>
-                  <a:lnTo>
-                    <a:pt x="1249825" y="6858000"/>
-                  </a:lnTo>
-                  <a:lnTo>
-                    <a:pt x="1109382" y="6858000"/>
-                  </a:lnTo>
-                  <a:lnTo>
-                    <a:pt x="0" y="0"/>
-                  </a:lnTo>
-                  <a:close/>
-                </a:path>
-              </a:pathLst>
-            </a:custGeom>
-            <a:solidFill>
-              <a:schemeClr val="accent1">
-                <a:alpha val="65000"/>
-              </a:schemeClr>
-            </a:solidFill>
-            <a:ln>
-              <a:noFill/>
-            </a:ln>
-            <a:effectLst/>
-          </p:spPr>
-          <p:style>
-            <a:lnRef idx="1">
-              <a:schemeClr val="accent1"/>
-            </a:lnRef>
-            <a:fillRef idx="3">
-              <a:schemeClr val="accent1"/>
-            </a:fillRef>
-            <a:effectRef idx="2">
-              <a:schemeClr val="accent1"/>
-            </a:effectRef>
-            <a:fontRef idx="minor">
-              <a:schemeClr val="lt1"/>
-            </a:fontRef>
-          </p:style>
-          <p:txBody>
-            <a:bodyPr/>
-            <a:lstStyle/>
-            <a:p>
-              <a:endParaRPr lang="en-US"/>
-            </a:p>
-          </p:txBody>
-        </p:sp>
-        <p:sp>
-          <p:nvSpPr>
-            <p:cNvPr id="19" name="Isosceles Triangle 18">
-              <a:extLst>
-                <a:ext uri="{FF2B5EF4-FFF2-40B4-BE49-F238E27FC236}">
-                  <a16:creationId xmlns:a16="http://schemas.microsoft.com/office/drawing/2014/main" id="{27A982C5-2C38-4CE9-BC18-94697AD657FB}"/>
-                </a:ext>
-                <a:ext uri="{C183D7F6-B498-43B3-948B-1728B52AA6E4}">
-                  <adec:decorative xmlns:adec="http://schemas.microsoft.com/office/drawing/2017/decorative" val="1"/>
-                </a:ext>
-              </a:extLst>
-            </p:cNvPr>
-            <p:cNvSpPr/>
-            <p:nvPr>
-              <p:extLst>
-                <p:ext uri="{386F3935-93C4-4BCD-93E2-E3B085C9AB24}">
-                  <p16:designElem xmlns:p16="http://schemas.microsoft.com/office/powerpoint/2015/main" val="1"/>
-                </p:ext>
-              </p:extLst>
-            </p:nvPr>
-          </p:nvSpPr>
-          <p:spPr>
-            <a:xfrm>
-              <a:off x="10371666" y="3589867"/>
-              <a:ext cx="1817159" cy="3268133"/>
-            </a:xfrm>
-            <a:prstGeom prst="triangle">
-              <a:avLst>
-                <a:gd name="adj" fmla="val 100000"/>
-              </a:avLst>
-            </a:prstGeom>
-            <a:solidFill>
-              <a:schemeClr val="accent1">
-                <a:alpha val="80000"/>
-              </a:schemeClr>
-            </a:solidFill>
-            <a:ln>
-              <a:noFill/>
-            </a:ln>
-            <a:effectLst/>
-          </p:spPr>
-          <p:style>
-            <a:lnRef idx="1">
-              <a:schemeClr val="accent1"/>
-            </a:lnRef>
-            <a:fillRef idx="3">
-              <a:schemeClr val="accent1"/>
-            </a:fillRef>
-            <a:effectRef idx="2">
-              <a:schemeClr val="accent1"/>
-            </a:effectRef>
-            <a:fontRef idx="minor">
-              <a:schemeClr val="lt1"/>
-            </a:fontRef>
-          </p:style>
-          <p:txBody>
-            <a:bodyPr/>
-            <a:lstStyle/>
-            <a:p>
-              <a:endParaRPr lang="en-US"/>
-            </a:p>
-          </p:txBody>
-        </p:sp>
-        <p:sp>
-          <p:nvSpPr>
-            <p:cNvPr id="20" name="Isosceles Triangle 19">
-              <a:extLst>
-                <a:ext uri="{FF2B5EF4-FFF2-40B4-BE49-F238E27FC236}">
-                  <a16:creationId xmlns:a16="http://schemas.microsoft.com/office/drawing/2014/main" id="{0060D8D1-7BB1-498F-AFBB-ADAC130A9E90}"/>
-                </a:ext>
-                <a:ext uri="{C183D7F6-B498-43B3-948B-1728B52AA6E4}">
-                  <adec:decorative xmlns:adec="http://schemas.microsoft.com/office/drawing/2017/decorative" val="1"/>
-                </a:ext>
-              </a:extLst>
-            </p:cNvPr>
-            <p:cNvSpPr/>
-            <p:nvPr>
-              <p:extLst>
-                <p:ext uri="{386F3935-93C4-4BCD-93E2-E3B085C9AB24}">
-                  <p16:designElem xmlns:p16="http://schemas.microsoft.com/office/powerpoint/2015/main" val="1"/>
-                </p:ext>
-              </p:extLst>
-            </p:nvPr>
-          </p:nvSpPr>
-          <p:spPr>
-            <a:xfrm rot="10800000">
-              <a:off x="0" y="0"/>
-              <a:ext cx="842596" cy="5666154"/>
-            </a:xfrm>
-            <a:prstGeom prst="triangle">
-              <a:avLst>
-                <a:gd name="adj" fmla="val 100000"/>
-              </a:avLst>
-            </a:prstGeom>
-            <a:solidFill>
-              <a:schemeClr val="accent1">
-                <a:alpha val="85000"/>
-              </a:schemeClr>
-            </a:solidFill>
-            <a:ln>
-              <a:noFill/>
-            </a:ln>
-            <a:effectLst/>
-          </p:spPr>
-          <p:style>
-            <a:lnRef idx="1">
-              <a:schemeClr val="accent1"/>
-            </a:lnRef>
-            <a:fillRef idx="3">
-              <a:schemeClr val="accent1"/>
-            </a:fillRef>
-            <a:effectRef idx="2">
-              <a:schemeClr val="accent1"/>
-            </a:effectRef>
-            <a:fontRef idx="minor">
-              <a:schemeClr val="lt1"/>
-            </a:fontRef>
-          </p:style>
-          <p:txBody>
-            <a:bodyPr/>
-            <a:lstStyle/>
-            <a:p>
-              <a:endParaRPr lang="en-US"/>
-            </a:p>
-          </p:txBody>
-        </p:sp>
-      </p:grpSp>
-      <p:sp>
-        <p:nvSpPr>
-          <p:cNvPr id="2" name="標題 1"/>
-          <p:cNvSpPr>
-            <a:spLocks noGrp="1"/>
-          </p:cNvSpPr>
-          <p:nvPr>
-            <p:ph type="title"/>
-          </p:nvPr>
-        </p:nvSpPr>
-        <p:spPr>
-          <a:xfrm>
-            <a:off x="985969" y="4553712"/>
-            <a:ext cx="8288032" cy="1096316"/>
-          </a:xfrm>
-        </p:spPr>
-        <p:txBody>
-          <a:bodyPr vert="horz" lIns="91440" tIns="45720" rIns="91440" bIns="45720" rtlCol="0" anchor="b">
-            <a:normAutofit/>
-          </a:bodyPr>
-          <a:lstStyle/>
-          <a:p>
-            <a:pPr algn="ctr">
-              <a:lnSpc>
-                <a:spcPct val="90000"/>
-              </a:lnSpc>
-            </a:pPr>
-            <a:r>
-              <a:rPr lang="en-US" sz="3700" kern="1200" dirty="0">
-                <a:solidFill>
-                  <a:schemeClr val="accent1"/>
-                </a:solidFill>
-                <a:latin typeface="+mj-lt"/>
-                <a:ea typeface="+mj-ea"/>
-                <a:cs typeface="+mj-cs"/>
-              </a:rPr>
-              <a:t>The visual analysis result of problem 1</a:t>
-            </a:r>
-          </a:p>
-        </p:txBody>
-      </p:sp>
-      <p:pic>
-        <p:nvPicPr>
-          <p:cNvPr id="5" name="Picture 4" descr="A close-up of a map&#10;&#10;Description automatically generated">
-            <a:extLst>
-              <a:ext uri="{FF2B5EF4-FFF2-40B4-BE49-F238E27FC236}">
-                <a16:creationId xmlns:a16="http://schemas.microsoft.com/office/drawing/2014/main" id="{9E4D7EF1-67A3-6BB3-FEB6-A56E1DA3EDC4}"/>
+                <a16:creationId xmlns:a16="http://schemas.microsoft.com/office/drawing/2014/main" id="{C328FE74-97EE-490D-9D94-07CD1468C0E3}"/>
               </a:ext>
             </a:extLst>
           </p:cNvPr>
@@ -9204,25 +8312,20 @@
         </p:blipFill>
         <p:spPr>
           <a:xfrm>
-            <a:off x="1005673" y="934222"/>
-            <a:ext cx="8248623" cy="3299450"/>
+            <a:off x="0" y="801867"/>
+            <a:ext cx="12192000" cy="5254265"/>
           </a:xfrm>
           <a:prstGeom prst="rect">
             <a:avLst/>
           </a:prstGeom>
-          <a:solidFill>
-            <a:srgbClr val="FFFFFF">
-              <a:shade val="85000"/>
-            </a:srgbClr>
-          </a:solidFill>
         </p:spPr>
       </p:pic>
       <p:pic>
         <p:nvPicPr>
-          <p:cNvPr id="4" name="Picture 3" descr="A graph with a line going up&#10;&#10;Description automatically generated">
+          <p:cNvPr id="4" name="Picture 3" descr="A map of the world&#10;&#10;Description automatically generated">
             <a:extLst>
               <a:ext uri="{FF2B5EF4-FFF2-40B4-BE49-F238E27FC236}">
-                <a16:creationId xmlns:a16="http://schemas.microsoft.com/office/drawing/2014/main" id="{838DABED-7A3A-9DD1-6076-FAFEF112DE4D}"/>
+                <a16:creationId xmlns:a16="http://schemas.microsoft.com/office/drawing/2014/main" id="{72D71836-CE0B-8B17-8D1F-43E7752E683F}"/>
               </a:ext>
             </a:extLst>
           </p:cNvPr>
@@ -9245,8 +8348,44 @@
         </p:blipFill>
         <p:spPr>
           <a:xfrm>
-            <a:off x="0" y="617621"/>
-            <a:ext cx="12192000" cy="5622758"/>
+            <a:off x="0" y="808365"/>
+            <a:ext cx="12192000" cy="5241270"/>
+          </a:xfrm>
+          <a:prstGeom prst="rect">
+            <a:avLst/>
+          </a:prstGeom>
+        </p:spPr>
+      </p:pic>
+      <p:pic>
+        <p:nvPicPr>
+          <p:cNvPr id="6" name="Picture 5" descr="A screen shot of a computer&#10;&#10;Description automatically generated">
+            <a:extLst>
+              <a:ext uri="{FF2B5EF4-FFF2-40B4-BE49-F238E27FC236}">
+                <a16:creationId xmlns:a16="http://schemas.microsoft.com/office/drawing/2014/main" id="{346654DF-4168-E22C-567A-303BB56806AB}"/>
+              </a:ext>
+            </a:extLst>
+          </p:cNvPr>
+          <p:cNvPicPr>
+            <a:picLocks noChangeAspect="1"/>
+          </p:cNvPicPr>
+          <p:nvPr/>
+        </p:nvPicPr>
+        <p:blipFill>
+          <a:blip r:embed="rId4">
+            <a:extLst>
+              <a:ext uri="{28A0092B-C50C-407E-A947-70E740481C1C}">
+                <a14:useLocalDpi xmlns:a14="http://schemas.microsoft.com/office/drawing/2010/main" val="0"/>
+              </a:ext>
+            </a:extLst>
+          </a:blip>
+          <a:stretch>
+            <a:fillRect/>
+          </a:stretch>
+        </p:blipFill>
+        <p:spPr>
+          <a:xfrm>
+            <a:off x="0" y="808365"/>
+            <a:ext cx="12192000" cy="5241270"/>
           </a:xfrm>
           <a:prstGeom prst="rect">
             <a:avLst/>
@@ -9256,7 +8395,7 @@
     </p:spTree>
     <p:extLst>
       <p:ext uri="{BB962C8B-B14F-4D97-AF65-F5344CB8AC3E}">
-        <p14:creationId xmlns:p14="http://schemas.microsoft.com/office/powerpoint/2010/main" val="3499915894"/>
+        <p14:creationId xmlns:p14="http://schemas.microsoft.com/office/powerpoint/2010/main" val="95992585"/>
       </p:ext>
     </p:extLst>
   </p:cSld>
@@ -10128,10 +9267,10 @@
       </p:pic>
       <p:pic>
         <p:nvPicPr>
-          <p:cNvPr id="4" name="Picture 3" descr="A map of the world&#10;&#10;Description automatically generated">
+          <p:cNvPr id="4" name="Picture 3" descr="A graph with a line going up&#10;&#10;Description automatically generated">
             <a:extLst>
               <a:ext uri="{FF2B5EF4-FFF2-40B4-BE49-F238E27FC236}">
-                <a16:creationId xmlns:a16="http://schemas.microsoft.com/office/drawing/2014/main" id="{35A246D5-CFEE-B69C-FAB2-9031DF36A89F}"/>
+                <a16:creationId xmlns:a16="http://schemas.microsoft.com/office/drawing/2014/main" id="{838DABED-7A3A-9DD1-6076-FAFEF112DE4D}"/>
               </a:ext>
             </a:extLst>
           </p:cNvPr>
@@ -10162,10 +9301,46 @@
           </a:prstGeom>
         </p:spPr>
       </p:pic>
+      <p:pic>
+        <p:nvPicPr>
+          <p:cNvPr id="6" name="Picture 5" descr="A map of the world&#10;&#10;Description automatically generated">
+            <a:extLst>
+              <a:ext uri="{FF2B5EF4-FFF2-40B4-BE49-F238E27FC236}">
+                <a16:creationId xmlns:a16="http://schemas.microsoft.com/office/drawing/2014/main" id="{14671B77-14EC-4BAA-0A10-CD785004061D}"/>
+              </a:ext>
+            </a:extLst>
+          </p:cNvPr>
+          <p:cNvPicPr>
+            <a:picLocks noChangeAspect="1"/>
+          </p:cNvPicPr>
+          <p:nvPr/>
+        </p:nvPicPr>
+        <p:blipFill>
+          <a:blip r:embed="rId4">
+            <a:extLst>
+              <a:ext uri="{28A0092B-C50C-407E-A947-70E740481C1C}">
+                <a14:useLocalDpi xmlns:a14="http://schemas.microsoft.com/office/drawing/2010/main" val="0"/>
+              </a:ext>
+            </a:extLst>
+          </a:blip>
+          <a:stretch>
+            <a:fillRect/>
+          </a:stretch>
+        </p:blipFill>
+        <p:spPr>
+          <a:xfrm>
+            <a:off x="0" y="808365"/>
+            <a:ext cx="12192000" cy="5241270"/>
+          </a:xfrm>
+          <a:prstGeom prst="rect">
+            <a:avLst/>
+          </a:prstGeom>
+        </p:spPr>
+      </p:pic>
     </p:spTree>
     <p:extLst>
       <p:ext uri="{BB962C8B-B14F-4D97-AF65-F5344CB8AC3E}">
-        <p14:creationId xmlns:p14="http://schemas.microsoft.com/office/powerpoint/2010/main" val="687090678"/>
+        <p14:creationId xmlns:p14="http://schemas.microsoft.com/office/powerpoint/2010/main" val="3499915894"/>
       </p:ext>
     </p:extLst>
   </p:cSld>
@@ -11037,919 +10212,10 @@
       </p:pic>
       <p:pic>
         <p:nvPicPr>
-          <p:cNvPr id="4" name="Picture 3" descr="A graph of a graph">
+          <p:cNvPr id="4" name="Picture 3" descr="A map of the world&#10;&#10;Description automatically generated">
             <a:extLst>
               <a:ext uri="{FF2B5EF4-FFF2-40B4-BE49-F238E27FC236}">
-                <a16:creationId xmlns:a16="http://schemas.microsoft.com/office/drawing/2014/main" id="{61469F54-44BA-3C8C-EF2C-7F23BFD2F9BA}"/>
-              </a:ext>
-            </a:extLst>
-          </p:cNvPr>
-          <p:cNvPicPr>
-            <a:picLocks noChangeAspect="1"/>
-          </p:cNvPicPr>
-          <p:nvPr/>
-        </p:nvPicPr>
-        <p:blipFill>
-          <a:blip r:embed="rId3">
-            <a:extLst>
-              <a:ext uri="{28A0092B-C50C-407E-A947-70E740481C1C}">
-                <a14:useLocalDpi xmlns:a14="http://schemas.microsoft.com/office/drawing/2010/main" val="0"/>
-              </a:ext>
-            </a:extLst>
-          </a:blip>
-          <a:stretch>
-            <a:fillRect/>
-          </a:stretch>
-        </p:blipFill>
-        <p:spPr>
-          <a:xfrm>
-            <a:off x="0" y="617621"/>
-            <a:ext cx="12192000" cy="5622758"/>
-          </a:xfrm>
-          <a:prstGeom prst="rect">
-            <a:avLst/>
-          </a:prstGeom>
-        </p:spPr>
-      </p:pic>
-    </p:spTree>
-    <p:extLst>
-      <p:ext uri="{BB962C8B-B14F-4D97-AF65-F5344CB8AC3E}">
-        <p14:creationId xmlns:p14="http://schemas.microsoft.com/office/powerpoint/2010/main" val="389549608"/>
-      </p:ext>
-    </p:extLst>
-  </p:cSld>
-  <p:clrMapOvr>
-    <a:masterClrMapping/>
-  </p:clrMapOvr>
-</p:sld>
-</file>
-
-<file path=ppt/slides/slide9.xml><?xml version="1.0" encoding="utf-8"?>
-<p:sld xmlns:a="http://schemas.openxmlformats.org/drawingml/2006/main" xmlns:r="http://schemas.openxmlformats.org/officeDocument/2006/relationships" xmlns:p="http://schemas.openxmlformats.org/presentationml/2006/main">
-  <p:cSld>
-    <p:bg>
-      <p:bgPr>
-        <a:solidFill>
-          <a:schemeClr val="bg1"/>
-        </a:solidFill>
-        <a:effectLst/>
-      </p:bgPr>
-    </p:bg>
-    <p:spTree>
-      <p:nvGrpSpPr>
-        <p:cNvPr id="1" name=""/>
-        <p:cNvGrpSpPr/>
-        <p:nvPr/>
-      </p:nvGrpSpPr>
-      <p:grpSpPr>
-        <a:xfrm>
-          <a:off x="0" y="0"/>
-          <a:ext cx="0" cy="0"/>
-          <a:chOff x="0" y="0"/>
-          <a:chExt cx="0" cy="0"/>
-        </a:xfrm>
-      </p:grpSpPr>
-      <p:grpSp>
-        <p:nvGrpSpPr>
-          <p:cNvPr id="7" name="Group 6">
-            <a:extLst>
-              <a:ext uri="{FF2B5EF4-FFF2-40B4-BE49-F238E27FC236}">
-                <a16:creationId xmlns:a16="http://schemas.microsoft.com/office/drawing/2014/main" id="{B4DE830A-B531-4A3B-96F6-0ECE88B08555}"/>
-              </a:ext>
-              <a:ext uri="{C183D7F6-B498-43B3-948B-1728B52AA6E4}">
-                <adec:decorative xmlns:adec="http://schemas.microsoft.com/office/drawing/2017/decorative" val="1"/>
-              </a:ext>
-            </a:extLst>
-          </p:cNvPr>
-          <p:cNvGrpSpPr>
-            <a:grpSpLocks noGrp="1" noUngrp="1" noRot="1" noChangeAspect="1" noMove="1" noResize="1"/>
-          </p:cNvGrpSpPr>
-          <p:nvPr>
-            <p:extLst>
-              <p:ext uri="{386F3935-93C4-4BCD-93E2-E3B085C9AB24}">
-                <p16:designElem xmlns:p16="http://schemas.microsoft.com/office/powerpoint/2015/main" val="1"/>
-              </p:ext>
-            </p:extLst>
-          </p:nvPr>
-        </p:nvGrpSpPr>
-        <p:grpSpPr>
-          <a:xfrm>
-            <a:off x="0" y="-8467"/>
-            <a:ext cx="12192000" cy="6866467"/>
-            <a:chOff x="0" y="-8467"/>
-            <a:chExt cx="12192000" cy="6866467"/>
-          </a:xfrm>
-        </p:grpSpPr>
-        <p:cxnSp>
-          <p:nvCxnSpPr>
-            <p:cNvPr id="11" name="Straight Connector 10">
-              <a:extLst>
-                <a:ext uri="{FF2B5EF4-FFF2-40B4-BE49-F238E27FC236}">
-                  <a16:creationId xmlns:a16="http://schemas.microsoft.com/office/drawing/2014/main" id="{2813DF2C-461A-4A8F-9679-A172790D1F3A}"/>
-                </a:ext>
-                <a:ext uri="{C183D7F6-B498-43B3-948B-1728B52AA6E4}">
-                  <adec:decorative xmlns:adec="http://schemas.microsoft.com/office/drawing/2017/decorative" val="1"/>
-                </a:ext>
-              </a:extLst>
-            </p:cNvPr>
-            <p:cNvCxnSpPr/>
-            <p:nvPr>
-              <p:extLst>
-                <p:ext uri="{386F3935-93C4-4BCD-93E2-E3B085C9AB24}">
-                  <p16:designElem xmlns:p16="http://schemas.microsoft.com/office/powerpoint/2015/main" val="1"/>
-                </p:ext>
-              </p:extLst>
-            </p:nvPr>
-          </p:nvCxnSpPr>
-          <p:spPr>
-            <a:xfrm>
-              <a:off x="9371012" y="0"/>
-              <a:ext cx="1219200" cy="6858000"/>
-            </a:xfrm>
-            <a:prstGeom prst="line">
-              <a:avLst/>
-            </a:prstGeom>
-            <a:ln w="9525">
-              <a:solidFill>
-                <a:schemeClr val="bg1">
-                  <a:lumMod val="75000"/>
-                </a:schemeClr>
-              </a:solidFill>
-            </a:ln>
-          </p:spPr>
-          <p:style>
-            <a:lnRef idx="2">
-              <a:schemeClr val="accent1"/>
-            </a:lnRef>
-            <a:fillRef idx="0">
-              <a:schemeClr val="accent1"/>
-            </a:fillRef>
-            <a:effectRef idx="1">
-              <a:schemeClr val="accent1"/>
-            </a:effectRef>
-            <a:fontRef idx="minor">
-              <a:schemeClr val="tx1"/>
-            </a:fontRef>
-          </p:style>
-        </p:cxnSp>
-        <p:cxnSp>
-          <p:nvCxnSpPr>
-            <p:cNvPr id="12" name="Straight Connector 11">
-              <a:extLst>
-                <a:ext uri="{FF2B5EF4-FFF2-40B4-BE49-F238E27FC236}">
-                  <a16:creationId xmlns:a16="http://schemas.microsoft.com/office/drawing/2014/main" id="{54CD3A85-C039-4249-86E4-1EB9318B5495}"/>
-                </a:ext>
-                <a:ext uri="{C183D7F6-B498-43B3-948B-1728B52AA6E4}">
-                  <adec:decorative xmlns:adec="http://schemas.microsoft.com/office/drawing/2017/decorative" val="1"/>
-                </a:ext>
-              </a:extLst>
-            </p:cNvPr>
-            <p:cNvCxnSpPr/>
-            <p:nvPr>
-              <p:extLst>
-                <p:ext uri="{386F3935-93C4-4BCD-93E2-E3B085C9AB24}">
-                  <p16:designElem xmlns:p16="http://schemas.microsoft.com/office/powerpoint/2015/main" val="1"/>
-                </p:ext>
-              </p:extLst>
-            </p:nvPr>
-          </p:nvCxnSpPr>
-          <p:spPr>
-            <a:xfrm flipH="1">
-              <a:off x="7425267" y="3681413"/>
-              <a:ext cx="4763558" cy="3176587"/>
-            </a:xfrm>
-            <a:prstGeom prst="line">
-              <a:avLst/>
-            </a:prstGeom>
-            <a:ln w="9525">
-              <a:solidFill>
-                <a:schemeClr val="bg1">
-                  <a:lumMod val="85000"/>
-                </a:schemeClr>
-              </a:solidFill>
-            </a:ln>
-          </p:spPr>
-          <p:style>
-            <a:lnRef idx="2">
-              <a:schemeClr val="accent1"/>
-            </a:lnRef>
-            <a:fillRef idx="0">
-              <a:schemeClr val="accent1"/>
-            </a:fillRef>
-            <a:effectRef idx="1">
-              <a:schemeClr val="accent1"/>
-            </a:effectRef>
-            <a:fontRef idx="minor">
-              <a:schemeClr val="tx1"/>
-            </a:fontRef>
-          </p:style>
-        </p:cxnSp>
-        <p:sp>
-          <p:nvSpPr>
-            <p:cNvPr id="13" name="Rectangle 23">
-              <a:extLst>
-                <a:ext uri="{FF2B5EF4-FFF2-40B4-BE49-F238E27FC236}">
-                  <a16:creationId xmlns:a16="http://schemas.microsoft.com/office/drawing/2014/main" id="{887EA6D2-2883-42C2-993D-094CA6D65DA3}"/>
-                </a:ext>
-                <a:ext uri="{C183D7F6-B498-43B3-948B-1728B52AA6E4}">
-                  <adec:decorative xmlns:adec="http://schemas.microsoft.com/office/drawing/2017/decorative" val="1"/>
-                </a:ext>
-              </a:extLst>
-            </p:cNvPr>
-            <p:cNvSpPr/>
-            <p:nvPr>
-              <p:extLst>
-                <p:ext uri="{386F3935-93C4-4BCD-93E2-E3B085C9AB24}">
-                  <p16:designElem xmlns:p16="http://schemas.microsoft.com/office/powerpoint/2015/main" val="1"/>
-                </p:ext>
-              </p:extLst>
-            </p:nvPr>
-          </p:nvSpPr>
-          <p:spPr>
-            <a:xfrm>
-              <a:off x="9181476" y="-8467"/>
-              <a:ext cx="3007349" cy="6866467"/>
-            </a:xfrm>
-            <a:custGeom>
-              <a:avLst/>
-              <a:gdLst/>
-              <a:ahLst/>
-              <a:cxnLst/>
-              <a:rect l="l" t="t" r="r" b="b"/>
-              <a:pathLst>
-                <a:path w="3007349" h="6866467">
-                  <a:moveTo>
-                    <a:pt x="2045532" y="0"/>
-                  </a:moveTo>
-                  <a:lnTo>
-                    <a:pt x="3007349" y="0"/>
-                  </a:lnTo>
-                  <a:lnTo>
-                    <a:pt x="3007349" y="6866467"/>
-                  </a:lnTo>
-                  <a:lnTo>
-                    <a:pt x="0" y="6866467"/>
-                  </a:lnTo>
-                  <a:lnTo>
-                    <a:pt x="2045532" y="0"/>
-                  </a:lnTo>
-                  <a:close/>
-                </a:path>
-              </a:pathLst>
-            </a:custGeom>
-            <a:solidFill>
-              <a:schemeClr val="accent1">
-                <a:alpha val="30000"/>
-              </a:schemeClr>
-            </a:solidFill>
-            <a:ln>
-              <a:noFill/>
-            </a:ln>
-            <a:effectLst/>
-          </p:spPr>
-          <p:style>
-            <a:lnRef idx="1">
-              <a:schemeClr val="accent1"/>
-            </a:lnRef>
-            <a:fillRef idx="3">
-              <a:schemeClr val="accent1"/>
-            </a:fillRef>
-            <a:effectRef idx="2">
-              <a:schemeClr val="accent1"/>
-            </a:effectRef>
-            <a:fontRef idx="minor">
-              <a:schemeClr val="lt1"/>
-            </a:fontRef>
-          </p:style>
-          <p:txBody>
-            <a:bodyPr/>
-            <a:lstStyle/>
-            <a:p>
-              <a:endParaRPr lang="en-US"/>
-            </a:p>
-          </p:txBody>
-        </p:sp>
-        <p:sp>
-          <p:nvSpPr>
-            <p:cNvPr id="14" name="Rectangle 25">
-              <a:extLst>
-                <a:ext uri="{FF2B5EF4-FFF2-40B4-BE49-F238E27FC236}">
-                  <a16:creationId xmlns:a16="http://schemas.microsoft.com/office/drawing/2014/main" id="{3B895046-636F-4D1B-ACA4-29AA0CB3329F}"/>
-                </a:ext>
-                <a:ext uri="{C183D7F6-B498-43B3-948B-1728B52AA6E4}">
-                  <adec:decorative xmlns:adec="http://schemas.microsoft.com/office/drawing/2017/decorative" val="1"/>
-                </a:ext>
-              </a:extLst>
-            </p:cNvPr>
-            <p:cNvSpPr/>
-            <p:nvPr>
-              <p:extLst>
-                <p:ext uri="{386F3935-93C4-4BCD-93E2-E3B085C9AB24}">
-                  <p16:designElem xmlns:p16="http://schemas.microsoft.com/office/powerpoint/2015/main" val="1"/>
-                </p:ext>
-              </p:extLst>
-            </p:nvPr>
-          </p:nvSpPr>
-          <p:spPr>
-            <a:xfrm>
-              <a:off x="9603442" y="-8467"/>
-              <a:ext cx="2588558" cy="6866467"/>
-            </a:xfrm>
-            <a:custGeom>
-              <a:avLst/>
-              <a:gdLst/>
-              <a:ahLst/>
-              <a:cxnLst/>
-              <a:rect l="l" t="t" r="r" b="b"/>
-              <a:pathLst>
-                <a:path w="2573311" h="6866467">
-                  <a:moveTo>
-                    <a:pt x="0" y="0"/>
-                  </a:moveTo>
-                  <a:lnTo>
-                    <a:pt x="2573311" y="0"/>
-                  </a:lnTo>
-                  <a:lnTo>
-                    <a:pt x="2573311" y="6866467"/>
-                  </a:lnTo>
-                  <a:lnTo>
-                    <a:pt x="1202336" y="6866467"/>
-                  </a:lnTo>
-                  <a:lnTo>
-                    <a:pt x="0" y="0"/>
-                  </a:lnTo>
-                  <a:close/>
-                </a:path>
-              </a:pathLst>
-            </a:custGeom>
-            <a:solidFill>
-              <a:schemeClr val="accent1">
-                <a:alpha val="20000"/>
-              </a:schemeClr>
-            </a:solidFill>
-            <a:ln>
-              <a:noFill/>
-            </a:ln>
-            <a:effectLst/>
-          </p:spPr>
-          <p:style>
-            <a:lnRef idx="1">
-              <a:schemeClr val="accent1"/>
-            </a:lnRef>
-            <a:fillRef idx="3">
-              <a:schemeClr val="accent1"/>
-            </a:fillRef>
-            <a:effectRef idx="2">
-              <a:schemeClr val="accent1"/>
-            </a:effectRef>
-            <a:fontRef idx="minor">
-              <a:schemeClr val="lt1"/>
-            </a:fontRef>
-          </p:style>
-          <p:txBody>
-            <a:bodyPr/>
-            <a:lstStyle/>
-            <a:p>
-              <a:endParaRPr lang="en-US"/>
-            </a:p>
-          </p:txBody>
-        </p:sp>
-        <p:sp>
-          <p:nvSpPr>
-            <p:cNvPr id="15" name="Isosceles Triangle 14">
-              <a:extLst>
-                <a:ext uri="{FF2B5EF4-FFF2-40B4-BE49-F238E27FC236}">
-                  <a16:creationId xmlns:a16="http://schemas.microsoft.com/office/drawing/2014/main" id="{C6B0CDE3-E054-4EDD-A43B-F96843D8BF51}"/>
-                </a:ext>
-                <a:ext uri="{C183D7F6-B498-43B3-948B-1728B52AA6E4}">
-                  <adec:decorative xmlns:adec="http://schemas.microsoft.com/office/drawing/2017/decorative" val="1"/>
-                </a:ext>
-              </a:extLst>
-            </p:cNvPr>
-            <p:cNvSpPr/>
-            <p:nvPr>
-              <p:extLst>
-                <p:ext uri="{386F3935-93C4-4BCD-93E2-E3B085C9AB24}">
-                  <p16:designElem xmlns:p16="http://schemas.microsoft.com/office/powerpoint/2015/main" val="1"/>
-                </p:ext>
-              </p:extLst>
-            </p:nvPr>
-          </p:nvSpPr>
-          <p:spPr>
-            <a:xfrm>
-              <a:off x="8932333" y="3048000"/>
-              <a:ext cx="3259667" cy="3810000"/>
-            </a:xfrm>
-            <a:prstGeom prst="triangle">
-              <a:avLst>
-                <a:gd name="adj" fmla="val 100000"/>
-              </a:avLst>
-            </a:prstGeom>
-            <a:solidFill>
-              <a:schemeClr val="accent2">
-                <a:alpha val="72000"/>
-              </a:schemeClr>
-            </a:solidFill>
-            <a:ln>
-              <a:noFill/>
-            </a:ln>
-            <a:effectLst/>
-          </p:spPr>
-          <p:style>
-            <a:lnRef idx="1">
-              <a:schemeClr val="accent1"/>
-            </a:lnRef>
-            <a:fillRef idx="3">
-              <a:schemeClr val="accent1"/>
-            </a:fillRef>
-            <a:effectRef idx="2">
-              <a:schemeClr val="accent1"/>
-            </a:effectRef>
-            <a:fontRef idx="minor">
-              <a:schemeClr val="lt1"/>
-            </a:fontRef>
-          </p:style>
-          <p:txBody>
-            <a:bodyPr/>
-            <a:lstStyle/>
-            <a:p>
-              <a:endParaRPr lang="en-US"/>
-            </a:p>
-          </p:txBody>
-        </p:sp>
-        <p:sp>
-          <p:nvSpPr>
-            <p:cNvPr id="16" name="Rectangle 27">
-              <a:extLst>
-                <a:ext uri="{FF2B5EF4-FFF2-40B4-BE49-F238E27FC236}">
-                  <a16:creationId xmlns:a16="http://schemas.microsoft.com/office/drawing/2014/main" id="{3B66B1A2-F145-4C9B-85CC-4BF30D58CBC5}"/>
-                </a:ext>
-                <a:ext uri="{C183D7F6-B498-43B3-948B-1728B52AA6E4}">
-                  <adec:decorative xmlns:adec="http://schemas.microsoft.com/office/drawing/2017/decorative" val="1"/>
-                </a:ext>
-              </a:extLst>
-            </p:cNvPr>
-            <p:cNvSpPr/>
-            <p:nvPr>
-              <p:extLst>
-                <p:ext uri="{386F3935-93C4-4BCD-93E2-E3B085C9AB24}">
-                  <p16:designElem xmlns:p16="http://schemas.microsoft.com/office/powerpoint/2015/main" val="1"/>
-                </p:ext>
-              </p:extLst>
-            </p:nvPr>
-          </p:nvSpPr>
-          <p:spPr>
-            <a:xfrm>
-              <a:off x="9334500" y="-8467"/>
-              <a:ext cx="2854326" cy="6866467"/>
-            </a:xfrm>
-            <a:custGeom>
-              <a:avLst/>
-              <a:gdLst/>
-              <a:ahLst/>
-              <a:cxnLst/>
-              <a:rect l="l" t="t" r="r" b="b"/>
-              <a:pathLst>
-                <a:path w="2858013" h="6866467">
-                  <a:moveTo>
-                    <a:pt x="0" y="0"/>
-                  </a:moveTo>
-                  <a:lnTo>
-                    <a:pt x="2858013" y="0"/>
-                  </a:lnTo>
-                  <a:lnTo>
-                    <a:pt x="2858013" y="6866467"/>
-                  </a:lnTo>
-                  <a:lnTo>
-                    <a:pt x="2473942" y="6866467"/>
-                  </a:lnTo>
-                  <a:lnTo>
-                    <a:pt x="0" y="0"/>
-                  </a:lnTo>
-                  <a:close/>
-                </a:path>
-              </a:pathLst>
-            </a:custGeom>
-            <a:solidFill>
-              <a:schemeClr val="accent2">
-                <a:lumMod val="75000"/>
-                <a:alpha val="70000"/>
-              </a:schemeClr>
-            </a:solidFill>
-            <a:ln>
-              <a:noFill/>
-            </a:ln>
-            <a:effectLst/>
-          </p:spPr>
-          <p:style>
-            <a:lnRef idx="1">
-              <a:schemeClr val="accent1"/>
-            </a:lnRef>
-            <a:fillRef idx="3">
-              <a:schemeClr val="accent1"/>
-            </a:fillRef>
-            <a:effectRef idx="2">
-              <a:schemeClr val="accent1"/>
-            </a:effectRef>
-            <a:fontRef idx="minor">
-              <a:schemeClr val="lt1"/>
-            </a:fontRef>
-          </p:style>
-          <p:txBody>
-            <a:bodyPr/>
-            <a:lstStyle/>
-            <a:p>
-              <a:endParaRPr lang="en-US"/>
-            </a:p>
-          </p:txBody>
-        </p:sp>
-        <p:sp>
-          <p:nvSpPr>
-            <p:cNvPr id="17" name="Rectangle 28">
-              <a:extLst>
-                <a:ext uri="{FF2B5EF4-FFF2-40B4-BE49-F238E27FC236}">
-                  <a16:creationId xmlns:a16="http://schemas.microsoft.com/office/drawing/2014/main" id="{5D4FC972-94B3-4035-8D31-E668C132B411}"/>
-                </a:ext>
-                <a:ext uri="{C183D7F6-B498-43B3-948B-1728B52AA6E4}">
-                  <adec:decorative xmlns:adec="http://schemas.microsoft.com/office/drawing/2017/decorative" val="1"/>
-                </a:ext>
-              </a:extLst>
-            </p:cNvPr>
-            <p:cNvSpPr/>
-            <p:nvPr>
-              <p:extLst>
-                <p:ext uri="{386F3935-93C4-4BCD-93E2-E3B085C9AB24}">
-                  <p16:designElem xmlns:p16="http://schemas.microsoft.com/office/powerpoint/2015/main" val="1"/>
-                </p:ext>
-              </p:extLst>
-            </p:nvPr>
-          </p:nvSpPr>
-          <p:spPr>
-            <a:xfrm>
-              <a:off x="10898730" y="-8467"/>
-              <a:ext cx="1290094" cy="6866467"/>
-            </a:xfrm>
-            <a:custGeom>
-              <a:avLst/>
-              <a:gdLst/>
-              <a:ahLst/>
-              <a:cxnLst/>
-              <a:rect l="l" t="t" r="r" b="b"/>
-              <a:pathLst>
-                <a:path w="1290094" h="6858000">
-                  <a:moveTo>
-                    <a:pt x="1019735" y="0"/>
-                  </a:moveTo>
-                  <a:lnTo>
-                    <a:pt x="1290094" y="0"/>
-                  </a:lnTo>
-                  <a:lnTo>
-                    <a:pt x="1290094" y="6858000"/>
-                  </a:lnTo>
-                  <a:lnTo>
-                    <a:pt x="0" y="6858000"/>
-                  </a:lnTo>
-                  <a:lnTo>
-                    <a:pt x="1019735" y="0"/>
-                  </a:lnTo>
-                  <a:close/>
-                </a:path>
-              </a:pathLst>
-            </a:custGeom>
-            <a:solidFill>
-              <a:schemeClr val="accent1">
-                <a:lumMod val="60000"/>
-                <a:lumOff val="40000"/>
-                <a:alpha val="70000"/>
-              </a:schemeClr>
-            </a:solidFill>
-            <a:ln>
-              <a:noFill/>
-            </a:ln>
-            <a:effectLst/>
-          </p:spPr>
-          <p:style>
-            <a:lnRef idx="1">
-              <a:schemeClr val="accent1"/>
-            </a:lnRef>
-            <a:fillRef idx="3">
-              <a:schemeClr val="accent1"/>
-            </a:fillRef>
-            <a:effectRef idx="2">
-              <a:schemeClr val="accent1"/>
-            </a:effectRef>
-            <a:fontRef idx="minor">
-              <a:schemeClr val="lt1"/>
-            </a:fontRef>
-          </p:style>
-          <p:txBody>
-            <a:bodyPr/>
-            <a:lstStyle/>
-            <a:p>
-              <a:endParaRPr lang="en-US"/>
-            </a:p>
-          </p:txBody>
-        </p:sp>
-        <p:sp>
-          <p:nvSpPr>
-            <p:cNvPr id="18" name="Rectangle 29">
-              <a:extLst>
-                <a:ext uri="{FF2B5EF4-FFF2-40B4-BE49-F238E27FC236}">
-                  <a16:creationId xmlns:a16="http://schemas.microsoft.com/office/drawing/2014/main" id="{374B9941-AFBE-4A77-A50E-B6EA04A746AE}"/>
-                </a:ext>
-                <a:ext uri="{C183D7F6-B498-43B3-948B-1728B52AA6E4}">
-                  <adec:decorative xmlns:adec="http://schemas.microsoft.com/office/drawing/2017/decorative" val="1"/>
-                </a:ext>
-              </a:extLst>
-            </p:cNvPr>
-            <p:cNvSpPr/>
-            <p:nvPr>
-              <p:extLst>
-                <p:ext uri="{386F3935-93C4-4BCD-93E2-E3B085C9AB24}">
-                  <p16:designElem xmlns:p16="http://schemas.microsoft.com/office/powerpoint/2015/main" val="1"/>
-                </p:ext>
-              </p:extLst>
-            </p:nvPr>
-          </p:nvSpPr>
-          <p:spPr>
-            <a:xfrm>
-              <a:off x="10938999" y="-8467"/>
-              <a:ext cx="1249825" cy="6866467"/>
-            </a:xfrm>
-            <a:custGeom>
-              <a:avLst/>
-              <a:gdLst/>
-              <a:ahLst/>
-              <a:cxnLst/>
-              <a:rect l="l" t="t" r="r" b="b"/>
-              <a:pathLst>
-                <a:path w="1249825" h="6858000">
-                  <a:moveTo>
-                    <a:pt x="0" y="0"/>
-                  </a:moveTo>
-                  <a:lnTo>
-                    <a:pt x="1249825" y="0"/>
-                  </a:lnTo>
-                  <a:lnTo>
-                    <a:pt x="1249825" y="6858000"/>
-                  </a:lnTo>
-                  <a:lnTo>
-                    <a:pt x="1109382" y="6858000"/>
-                  </a:lnTo>
-                  <a:lnTo>
-                    <a:pt x="0" y="0"/>
-                  </a:lnTo>
-                  <a:close/>
-                </a:path>
-              </a:pathLst>
-            </a:custGeom>
-            <a:solidFill>
-              <a:schemeClr val="accent1">
-                <a:alpha val="65000"/>
-              </a:schemeClr>
-            </a:solidFill>
-            <a:ln>
-              <a:noFill/>
-            </a:ln>
-            <a:effectLst/>
-          </p:spPr>
-          <p:style>
-            <a:lnRef idx="1">
-              <a:schemeClr val="accent1"/>
-            </a:lnRef>
-            <a:fillRef idx="3">
-              <a:schemeClr val="accent1"/>
-            </a:fillRef>
-            <a:effectRef idx="2">
-              <a:schemeClr val="accent1"/>
-            </a:effectRef>
-            <a:fontRef idx="minor">
-              <a:schemeClr val="lt1"/>
-            </a:fontRef>
-          </p:style>
-          <p:txBody>
-            <a:bodyPr/>
-            <a:lstStyle/>
-            <a:p>
-              <a:endParaRPr lang="en-US"/>
-            </a:p>
-          </p:txBody>
-        </p:sp>
-        <p:sp>
-          <p:nvSpPr>
-            <p:cNvPr id="19" name="Isosceles Triangle 18">
-              <a:extLst>
-                <a:ext uri="{FF2B5EF4-FFF2-40B4-BE49-F238E27FC236}">
-                  <a16:creationId xmlns:a16="http://schemas.microsoft.com/office/drawing/2014/main" id="{27A982C5-2C38-4CE9-BC18-94697AD657FB}"/>
-                </a:ext>
-                <a:ext uri="{C183D7F6-B498-43B3-948B-1728B52AA6E4}">
-                  <adec:decorative xmlns:adec="http://schemas.microsoft.com/office/drawing/2017/decorative" val="1"/>
-                </a:ext>
-              </a:extLst>
-            </p:cNvPr>
-            <p:cNvSpPr/>
-            <p:nvPr>
-              <p:extLst>
-                <p:ext uri="{386F3935-93C4-4BCD-93E2-E3B085C9AB24}">
-                  <p16:designElem xmlns:p16="http://schemas.microsoft.com/office/powerpoint/2015/main" val="1"/>
-                </p:ext>
-              </p:extLst>
-            </p:nvPr>
-          </p:nvSpPr>
-          <p:spPr>
-            <a:xfrm>
-              <a:off x="10371666" y="3589867"/>
-              <a:ext cx="1817159" cy="3268133"/>
-            </a:xfrm>
-            <a:prstGeom prst="triangle">
-              <a:avLst>
-                <a:gd name="adj" fmla="val 100000"/>
-              </a:avLst>
-            </a:prstGeom>
-            <a:solidFill>
-              <a:schemeClr val="accent1">
-                <a:alpha val="80000"/>
-              </a:schemeClr>
-            </a:solidFill>
-            <a:ln>
-              <a:noFill/>
-            </a:ln>
-            <a:effectLst/>
-          </p:spPr>
-          <p:style>
-            <a:lnRef idx="1">
-              <a:schemeClr val="accent1"/>
-            </a:lnRef>
-            <a:fillRef idx="3">
-              <a:schemeClr val="accent1"/>
-            </a:fillRef>
-            <a:effectRef idx="2">
-              <a:schemeClr val="accent1"/>
-            </a:effectRef>
-            <a:fontRef idx="minor">
-              <a:schemeClr val="lt1"/>
-            </a:fontRef>
-          </p:style>
-          <p:txBody>
-            <a:bodyPr/>
-            <a:lstStyle/>
-            <a:p>
-              <a:endParaRPr lang="en-US"/>
-            </a:p>
-          </p:txBody>
-        </p:sp>
-        <p:sp>
-          <p:nvSpPr>
-            <p:cNvPr id="20" name="Isosceles Triangle 19">
-              <a:extLst>
-                <a:ext uri="{FF2B5EF4-FFF2-40B4-BE49-F238E27FC236}">
-                  <a16:creationId xmlns:a16="http://schemas.microsoft.com/office/drawing/2014/main" id="{0060D8D1-7BB1-498F-AFBB-ADAC130A9E90}"/>
-                </a:ext>
-                <a:ext uri="{C183D7F6-B498-43B3-948B-1728B52AA6E4}">
-                  <adec:decorative xmlns:adec="http://schemas.microsoft.com/office/drawing/2017/decorative" val="1"/>
-                </a:ext>
-              </a:extLst>
-            </p:cNvPr>
-            <p:cNvSpPr/>
-            <p:nvPr>
-              <p:extLst>
-                <p:ext uri="{386F3935-93C4-4BCD-93E2-E3B085C9AB24}">
-                  <p16:designElem xmlns:p16="http://schemas.microsoft.com/office/powerpoint/2015/main" val="1"/>
-                </p:ext>
-              </p:extLst>
-            </p:nvPr>
-          </p:nvSpPr>
-          <p:spPr>
-            <a:xfrm rot="10800000">
-              <a:off x="0" y="0"/>
-              <a:ext cx="842596" cy="5666154"/>
-            </a:xfrm>
-            <a:prstGeom prst="triangle">
-              <a:avLst>
-                <a:gd name="adj" fmla="val 100000"/>
-              </a:avLst>
-            </a:prstGeom>
-            <a:solidFill>
-              <a:schemeClr val="accent1">
-                <a:alpha val="85000"/>
-              </a:schemeClr>
-            </a:solidFill>
-            <a:ln>
-              <a:noFill/>
-            </a:ln>
-            <a:effectLst/>
-          </p:spPr>
-          <p:style>
-            <a:lnRef idx="1">
-              <a:schemeClr val="accent1"/>
-            </a:lnRef>
-            <a:fillRef idx="3">
-              <a:schemeClr val="accent1"/>
-            </a:fillRef>
-            <a:effectRef idx="2">
-              <a:schemeClr val="accent1"/>
-            </a:effectRef>
-            <a:fontRef idx="minor">
-              <a:schemeClr val="lt1"/>
-            </a:fontRef>
-          </p:style>
-          <p:txBody>
-            <a:bodyPr/>
-            <a:lstStyle/>
-            <a:p>
-              <a:endParaRPr lang="en-US"/>
-            </a:p>
-          </p:txBody>
-        </p:sp>
-      </p:grpSp>
-      <p:sp>
-        <p:nvSpPr>
-          <p:cNvPr id="2" name="標題 1"/>
-          <p:cNvSpPr>
-            <a:spLocks noGrp="1"/>
-          </p:cNvSpPr>
-          <p:nvPr>
-            <p:ph type="title"/>
-          </p:nvPr>
-        </p:nvSpPr>
-        <p:spPr>
-          <a:xfrm>
-            <a:off x="985969" y="4553712"/>
-            <a:ext cx="8288032" cy="1096316"/>
-          </a:xfrm>
-        </p:spPr>
-        <p:txBody>
-          <a:bodyPr vert="horz" lIns="91440" tIns="45720" rIns="91440" bIns="45720" rtlCol="0" anchor="b">
-            <a:normAutofit/>
-          </a:bodyPr>
-          <a:lstStyle/>
-          <a:p>
-            <a:pPr algn="ctr">
-              <a:lnSpc>
-                <a:spcPct val="90000"/>
-              </a:lnSpc>
-            </a:pPr>
-            <a:r>
-              <a:rPr lang="en-US" sz="3700" kern="1200" dirty="0">
-                <a:solidFill>
-                  <a:schemeClr val="accent1"/>
-                </a:solidFill>
-                <a:latin typeface="+mj-lt"/>
-                <a:ea typeface="+mj-ea"/>
-                <a:cs typeface="+mj-cs"/>
-              </a:rPr>
-              <a:t>The visual analysis result of problem 1</a:t>
-            </a:r>
-          </a:p>
-        </p:txBody>
-      </p:sp>
-      <p:pic>
-        <p:nvPicPr>
-          <p:cNvPr id="5" name="Picture 4" descr="A close-up of a map&#10;&#10;Description automatically generated">
-            <a:extLst>
-              <a:ext uri="{FF2B5EF4-FFF2-40B4-BE49-F238E27FC236}">
-                <a16:creationId xmlns:a16="http://schemas.microsoft.com/office/drawing/2014/main" id="{9E4D7EF1-67A3-6BB3-FEB6-A56E1DA3EDC4}"/>
-              </a:ext>
-            </a:extLst>
-          </p:cNvPr>
-          <p:cNvPicPr>
-            <a:picLocks noChangeAspect="1"/>
-          </p:cNvPicPr>
-          <p:nvPr/>
-        </p:nvPicPr>
-        <p:blipFill>
-          <a:blip r:embed="rId2">
-            <a:extLst>
-              <a:ext uri="{28A0092B-C50C-407E-A947-70E740481C1C}">
-                <a14:useLocalDpi xmlns:a14="http://schemas.microsoft.com/office/drawing/2010/main" val="0"/>
-              </a:ext>
-            </a:extLst>
-          </a:blip>
-          <a:stretch>
-            <a:fillRect/>
-          </a:stretch>
-        </p:blipFill>
-        <p:spPr>
-          <a:xfrm>
-            <a:off x="1005673" y="934222"/>
-            <a:ext cx="8248623" cy="3299450"/>
-          </a:xfrm>
-          <a:prstGeom prst="rect">
-            <a:avLst/>
-          </a:prstGeom>
-          <a:solidFill>
-            <a:srgbClr val="FFFFFF">
-              <a:shade val="85000"/>
-            </a:srgbClr>
-          </a:solidFill>
-        </p:spPr>
-      </p:pic>
-      <p:pic>
-        <p:nvPicPr>
-          <p:cNvPr id="4" name="Picture 3" descr="A graph of a graph">
-            <a:extLst>
-              <a:ext uri="{FF2B5EF4-FFF2-40B4-BE49-F238E27FC236}">
-                <a16:creationId xmlns:a16="http://schemas.microsoft.com/office/drawing/2014/main" id="{61469F54-44BA-3C8C-EF2C-7F23BFD2F9BA}"/>
+                <a16:creationId xmlns:a16="http://schemas.microsoft.com/office/drawing/2014/main" id="{35A246D5-CFEE-B69C-FAB2-9031DF36A89F}"/>
               </a:ext>
             </a:extLst>
           </p:cNvPr>
@@ -11982,10 +10248,10 @@
       </p:pic>
       <p:pic>
         <p:nvPicPr>
-          <p:cNvPr id="6" name="Picture 5" descr="A screenshot of a computer&#10;&#10;Description automatically generated">
+          <p:cNvPr id="6" name="Picture 5" descr="A graph on a screen&#10;&#10;Description automatically generated">
             <a:extLst>
               <a:ext uri="{FF2B5EF4-FFF2-40B4-BE49-F238E27FC236}">
-                <a16:creationId xmlns:a16="http://schemas.microsoft.com/office/drawing/2014/main" id="{505FAADF-AC0C-F53F-681A-E456F8896011}"/>
+                <a16:creationId xmlns:a16="http://schemas.microsoft.com/office/drawing/2014/main" id="{4BCBE5DB-BDAA-B933-5BC7-D27620B43D57}"/>
               </a:ext>
             </a:extLst>
           </p:cNvPr>
@@ -12008,8 +10274,8 @@
         </p:blipFill>
         <p:spPr>
           <a:xfrm>
-            <a:off x="0" y="617621"/>
-            <a:ext cx="12192000" cy="5622758"/>
+            <a:off x="119269" y="682508"/>
+            <a:ext cx="12192000" cy="5241270"/>
           </a:xfrm>
           <a:prstGeom prst="rect">
             <a:avLst/>
@@ -12019,7 +10285,167 @@
     </p:spTree>
     <p:extLst>
       <p:ext uri="{BB962C8B-B14F-4D97-AF65-F5344CB8AC3E}">
-        <p14:creationId xmlns:p14="http://schemas.microsoft.com/office/powerpoint/2010/main" val="1332490454"/>
+        <p14:creationId xmlns:p14="http://schemas.microsoft.com/office/powerpoint/2010/main" val="687090678"/>
+      </p:ext>
+    </p:extLst>
+  </p:cSld>
+  <p:clrMapOvr>
+    <a:masterClrMapping/>
+  </p:clrMapOvr>
+</p:sld>
+</file>
+
+<file path=ppt/slides/slide9.xml><?xml version="1.0" encoding="utf-8"?>
+<p:sld xmlns:a="http://schemas.openxmlformats.org/drawingml/2006/main" xmlns:r="http://schemas.openxmlformats.org/officeDocument/2006/relationships" xmlns:p="http://schemas.openxmlformats.org/presentationml/2006/main">
+  <p:cSld>
+    <p:spTree>
+      <p:nvGrpSpPr>
+        <p:cNvPr id="1" name=""/>
+        <p:cNvGrpSpPr/>
+        <p:nvPr/>
+      </p:nvGrpSpPr>
+      <p:grpSpPr>
+        <a:xfrm>
+          <a:off x="0" y="0"/>
+          <a:ext cx="0" cy="0"/>
+          <a:chOff x="0" y="0"/>
+          <a:chExt cx="0" cy="0"/>
+        </a:xfrm>
+      </p:grpSpPr>
+      <p:sp>
+        <p:nvSpPr>
+          <p:cNvPr id="2" name="標題 1"/>
+          <p:cNvSpPr>
+            <a:spLocks noGrp="1"/>
+          </p:cNvSpPr>
+          <p:nvPr>
+            <p:ph type="title"/>
+          </p:nvPr>
+        </p:nvSpPr>
+        <p:spPr/>
+        <p:txBody>
+          <a:bodyPr/>
+          <a:lstStyle/>
+          <a:p>
+            <a:r>
+              <a:rPr lang="en-US" dirty="0">
+                <a:latin typeface="Times New Roman" panose="02020603050405020304" pitchFamily="18" charset="0"/>
+                <a:cs typeface="Times New Roman" panose="02020603050405020304" pitchFamily="18" charset="0"/>
+              </a:rPr>
+              <a:t>The visual analysis result of problem 1</a:t>
+            </a:r>
+          </a:p>
+        </p:txBody>
+      </p:sp>
+      <p:sp>
+        <p:nvSpPr>
+          <p:cNvPr id="3" name="內容版面配置區 2"/>
+          <p:cNvSpPr>
+            <a:spLocks noGrp="1"/>
+          </p:cNvSpPr>
+          <p:nvPr>
+            <p:ph idx="1"/>
+          </p:nvPr>
+        </p:nvSpPr>
+        <p:spPr/>
+        <p:txBody>
+          <a:bodyPr/>
+          <a:lstStyle/>
+          <a:p>
+            <a:pPr marL="228600" lvl="2">
+              <a:spcBef>
+                <a:spcPts val="1000"/>
+              </a:spcBef>
+            </a:pPr>
+            <a:r>
+              <a:rPr lang="en-US" sz="2400" dirty="0">
+                <a:latin typeface="Times New Roman" panose="02020603050405020304" pitchFamily="18" charset="0"/>
+                <a:cs typeface="Times New Roman" panose="02020603050405020304" pitchFamily="18" charset="0"/>
+              </a:rPr>
+              <a:t>What is the conclusion of data analysis insights obtained through visual charts?</a:t>
+            </a:r>
+          </a:p>
+          <a:p>
+            <a:pPr marL="457200" lvl="2" indent="-457200">
+              <a:spcBef>
+                <a:spcPts val="1000"/>
+              </a:spcBef>
+              <a:buAutoNum type="arabicPeriod"/>
+            </a:pPr>
+            <a:r>
+              <a:rPr lang="en-US" sz="2400" dirty="0">
+                <a:latin typeface="Times New Roman" panose="02020603050405020304" pitchFamily="18" charset="0"/>
+                <a:cs typeface="Times New Roman" panose="02020603050405020304" pitchFamily="18" charset="0"/>
+              </a:rPr>
+              <a:t>Countries with the largest economies account for the most CO2 emissions </a:t>
+            </a:r>
+          </a:p>
+          <a:p>
+            <a:pPr marL="457200" lvl="2" indent="-457200">
+              <a:spcBef>
+                <a:spcPts val="1000"/>
+              </a:spcBef>
+              <a:buAutoNum type="arabicPeriod"/>
+            </a:pPr>
+            <a:r>
+              <a:rPr lang="en-US" sz="2400" dirty="0">
+                <a:latin typeface="Times New Roman" panose="02020603050405020304" pitchFamily="18" charset="0"/>
+                <a:cs typeface="Times New Roman" panose="02020603050405020304" pitchFamily="18" charset="0"/>
+              </a:rPr>
+              <a:t>Largest industrial sectors emitting carbon are Coal, Oil, and Others</a:t>
+            </a:r>
+          </a:p>
+          <a:p>
+            <a:pPr marL="457200" lvl="2" indent="-457200">
+              <a:spcBef>
+                <a:spcPts val="1000"/>
+              </a:spcBef>
+              <a:buAutoNum type="arabicPeriod"/>
+            </a:pPr>
+            <a:r>
+              <a:rPr lang="en-US" sz="2400" dirty="0">
+                <a:latin typeface="Times New Roman" panose="02020603050405020304" pitchFamily="18" charset="0"/>
+                <a:cs typeface="Times New Roman" panose="02020603050405020304" pitchFamily="18" charset="0"/>
+              </a:rPr>
+              <a:t>Carbon emissions and global temperature correlate </a:t>
+            </a:r>
+          </a:p>
+          <a:p>
+            <a:pPr marL="0" lvl="2" indent="0">
+              <a:spcBef>
+                <a:spcPts val="1000"/>
+              </a:spcBef>
+              <a:buNone/>
+            </a:pPr>
+            <a:endParaRPr lang="en-US" sz="2400" dirty="0">
+              <a:latin typeface="Times New Roman" panose="02020603050405020304" pitchFamily="18" charset="0"/>
+              <a:cs typeface="Times New Roman" panose="02020603050405020304" pitchFamily="18" charset="0"/>
+            </a:endParaRPr>
+          </a:p>
+          <a:p>
+            <a:pPr marL="457200" lvl="2" indent="-457200">
+              <a:spcBef>
+                <a:spcPts val="1000"/>
+              </a:spcBef>
+              <a:buAutoNum type="arabicPeriod"/>
+            </a:pPr>
+            <a:endParaRPr lang="en-US" sz="2400" dirty="0">
+              <a:latin typeface="Times New Roman" panose="02020603050405020304" pitchFamily="18" charset="0"/>
+              <a:cs typeface="Times New Roman" panose="02020603050405020304" pitchFamily="18" charset="0"/>
+            </a:endParaRPr>
+          </a:p>
+          <a:p>
+            <a:endParaRPr lang="en-US" dirty="0">
+              <a:latin typeface="Times New Roman" panose="02020603050405020304" pitchFamily="18" charset="0"/>
+              <a:cs typeface="Times New Roman" panose="02020603050405020304" pitchFamily="18" charset="0"/>
+            </a:endParaRPr>
+          </a:p>
+        </p:txBody>
+      </p:sp>
+    </p:spTree>
+    <p:extLst>
+      <p:ext uri="{BB962C8B-B14F-4D97-AF65-F5344CB8AC3E}">
+        <p14:creationId xmlns:p14="http://schemas.microsoft.com/office/powerpoint/2010/main" val="2056979047"/>
       </p:ext>
     </p:extLst>
   </p:cSld>
